--- a/CSS_Taster.pptx
+++ b/CSS_Taster.pptx
@@ -224,7 +224,7 @@
             </a:lvl1pPr>
           </a:lstStyle>
           <a:p>
-            <a:endParaRPr lang="en-US"/>
+            <a:endParaRPr lang="en-US" dirty="0"/>
           </a:p>
         </p:txBody>
       </p:sp>
@@ -259,7 +259,7 @@
               <a:rPr lang="en-US" smtClean="0"/>
               <a:t>07/12/2015</a:t>
             </a:fld>
-            <a:endParaRPr lang="en-US"/>
+            <a:endParaRPr lang="en-US" dirty="0"/>
           </a:p>
         </p:txBody>
       </p:sp>
@@ -292,7 +292,7 @@
           <a:bodyPr vert="horz" lIns="91440" tIns="45720" rIns="91440" bIns="45720" rtlCol="0" anchor="ctr"/>
           <a:lstStyle/>
           <a:p>
-            <a:endParaRPr lang="en-US"/>
+            <a:endParaRPr lang="en-US" dirty="0"/>
           </a:p>
         </p:txBody>
       </p:sp>
@@ -383,7 +383,7 @@
             </a:lvl1pPr>
           </a:lstStyle>
           <a:p>
-            <a:endParaRPr lang="en-US"/>
+            <a:endParaRPr lang="en-US" dirty="0"/>
           </a:p>
         </p:txBody>
       </p:sp>
@@ -418,7 +418,7 @@
               <a:rPr lang="en-US" smtClean="0"/>
               <a:t>‹#›</a:t>
             </a:fld>
-            <a:endParaRPr lang="en-US"/>
+            <a:endParaRPr lang="en-US" dirty="0"/>
           </a:p>
         </p:txBody>
       </p:sp>
@@ -571,19 +571,7 @@
           <a:p>
             <a:r>
               <a:rPr lang="en-US" dirty="0" smtClean="0"/>
-              <a:t>http://</a:t>
-            </a:r>
-            <a:r>
-              <a:rPr lang="en-US" dirty="0" err="1" smtClean="0"/>
-              <a:t>codepen.io</a:t>
-            </a:r>
-            <a:r>
-              <a:rPr lang="en-US" dirty="0" smtClean="0"/>
-              <a:t>/anon/pen/</a:t>
-            </a:r>
-            <a:r>
-              <a:rPr lang="en-US" dirty="0" err="1" smtClean="0"/>
-              <a:t>RrwLpK</a:t>
+              <a:t>http://codepen.io/anon/pen/RrwLpK</a:t>
             </a:r>
             <a:endParaRPr lang="en-US" dirty="0"/>
           </a:p>
@@ -608,7 +596,7 @@
               <a:rPr lang="en-US" smtClean="0"/>
               <a:t>22</a:t>
             </a:fld>
-            <a:endParaRPr lang="en-US"/>
+            <a:endParaRPr lang="en-US" dirty="0"/>
           </a:p>
         </p:txBody>
       </p:sp>
@@ -822,7 +810,7 @@
               <a:pPr/>
               <a:t>07/12/2015</a:t>
             </a:fld>
-            <a:endParaRPr lang="en-US"/>
+            <a:endParaRPr lang="en-US" dirty="0"/>
           </a:p>
         </p:txBody>
       </p:sp>
@@ -841,7 +829,7 @@
           <a:bodyPr/>
           <a:lstStyle/>
           <a:p>
-            <a:endParaRPr lang="en-US"/>
+            <a:endParaRPr lang="en-US" dirty="0"/>
           </a:p>
         </p:txBody>
       </p:sp>
@@ -989,7 +977,7 @@
               <a:pPr/>
               <a:t>07/12/2015</a:t>
             </a:fld>
-            <a:endParaRPr lang="en-US"/>
+            <a:endParaRPr lang="en-US" dirty="0"/>
           </a:p>
         </p:txBody>
       </p:sp>
@@ -1008,7 +996,7 @@
           <a:bodyPr/>
           <a:lstStyle/>
           <a:p>
-            <a:endParaRPr lang="en-US"/>
+            <a:endParaRPr lang="en-US" dirty="0"/>
           </a:p>
         </p:txBody>
       </p:sp>
@@ -1032,7 +1020,7 @@
               <a:pPr/>
               <a:t>‹#›</a:t>
             </a:fld>
-            <a:endParaRPr lang="en-US"/>
+            <a:endParaRPr lang="en-US" dirty="0"/>
           </a:p>
         </p:txBody>
       </p:sp>
@@ -1166,7 +1154,7 @@
               <a:pPr/>
               <a:t>07/12/2015</a:t>
             </a:fld>
-            <a:endParaRPr lang="en-US"/>
+            <a:endParaRPr lang="en-US" dirty="0"/>
           </a:p>
         </p:txBody>
       </p:sp>
@@ -1185,7 +1173,7 @@
           <a:bodyPr/>
           <a:lstStyle/>
           <a:p>
-            <a:endParaRPr lang="en-US"/>
+            <a:endParaRPr lang="en-US" dirty="0"/>
           </a:p>
         </p:txBody>
       </p:sp>
@@ -1209,7 +1197,7 @@
               <a:pPr/>
               <a:t>‹#›</a:t>
             </a:fld>
-            <a:endParaRPr lang="en-US"/>
+            <a:endParaRPr lang="en-US" dirty="0"/>
           </a:p>
         </p:txBody>
       </p:sp>
@@ -1333,7 +1321,7 @@
               <a:pPr/>
               <a:t>07/12/2015</a:t>
             </a:fld>
-            <a:endParaRPr lang="en-US"/>
+            <a:endParaRPr lang="en-US" dirty="0"/>
           </a:p>
         </p:txBody>
       </p:sp>
@@ -1352,7 +1340,7 @@
           <a:bodyPr/>
           <a:lstStyle/>
           <a:p>
-            <a:endParaRPr lang="en-US"/>
+            <a:endParaRPr lang="en-US" dirty="0"/>
           </a:p>
         </p:txBody>
       </p:sp>
@@ -1376,7 +1364,7 @@
               <a:pPr/>
               <a:t>‹#›</a:t>
             </a:fld>
-            <a:endParaRPr lang="en-US"/>
+            <a:endParaRPr lang="en-US" dirty="0"/>
           </a:p>
         </p:txBody>
       </p:sp>
@@ -1576,7 +1564,7 @@
               <a:pPr/>
               <a:t>07/12/2015</a:t>
             </a:fld>
-            <a:endParaRPr lang="en-US"/>
+            <a:endParaRPr lang="en-US" dirty="0"/>
           </a:p>
         </p:txBody>
       </p:sp>
@@ -1619,7 +1607,7 @@
               <a:pPr/>
               <a:t>‹#›</a:t>
             </a:fld>
-            <a:endParaRPr lang="en-US"/>
+            <a:endParaRPr lang="en-US" dirty="0"/>
           </a:p>
         </p:txBody>
       </p:sp>
@@ -1861,7 +1849,7 @@
               <a:pPr/>
               <a:t>07/12/2015</a:t>
             </a:fld>
-            <a:endParaRPr lang="en-US"/>
+            <a:endParaRPr lang="en-US" dirty="0"/>
           </a:p>
         </p:txBody>
       </p:sp>
@@ -1880,7 +1868,7 @@
           <a:bodyPr/>
           <a:lstStyle/>
           <a:p>
-            <a:endParaRPr lang="en-US"/>
+            <a:endParaRPr lang="en-US" dirty="0"/>
           </a:p>
         </p:txBody>
       </p:sp>
@@ -1904,7 +1892,7 @@
               <a:pPr/>
               <a:t>‹#›</a:t>
             </a:fld>
-            <a:endParaRPr lang="en-US"/>
+            <a:endParaRPr lang="en-US" dirty="0"/>
           </a:p>
         </p:txBody>
       </p:sp>
@@ -2292,7 +2280,7 @@
               <a:pPr/>
               <a:t>07/12/2015</a:t>
             </a:fld>
-            <a:endParaRPr lang="en-US"/>
+            <a:endParaRPr lang="en-US" dirty="0"/>
           </a:p>
         </p:txBody>
       </p:sp>
@@ -2311,7 +2299,7 @@
           <a:bodyPr/>
           <a:lstStyle/>
           <a:p>
-            <a:endParaRPr lang="en-US"/>
+            <a:endParaRPr lang="en-US" dirty="0"/>
           </a:p>
         </p:txBody>
       </p:sp>
@@ -2335,7 +2323,7 @@
               <a:pPr/>
               <a:t>‹#›</a:t>
             </a:fld>
-            <a:endParaRPr lang="en-US"/>
+            <a:endParaRPr lang="en-US" dirty="0"/>
           </a:p>
         </p:txBody>
       </p:sp>
@@ -2407,7 +2395,7 @@
               <a:pPr/>
               <a:t>07/12/2015</a:t>
             </a:fld>
-            <a:endParaRPr lang="en-US"/>
+            <a:endParaRPr lang="en-US" dirty="0"/>
           </a:p>
         </p:txBody>
       </p:sp>
@@ -2426,7 +2414,7 @@
           <a:bodyPr/>
           <a:lstStyle/>
           <a:p>
-            <a:endParaRPr lang="en-US"/>
+            <a:endParaRPr lang="en-US" dirty="0"/>
           </a:p>
         </p:txBody>
       </p:sp>
@@ -2450,7 +2438,7 @@
               <a:pPr/>
               <a:t>‹#›</a:t>
             </a:fld>
-            <a:endParaRPr lang="en-US"/>
+            <a:endParaRPr lang="en-US" dirty="0"/>
           </a:p>
         </p:txBody>
       </p:sp>
@@ -2499,7 +2487,7 @@
               <a:pPr/>
               <a:t>07/12/2015</a:t>
             </a:fld>
-            <a:endParaRPr lang="en-US"/>
+            <a:endParaRPr lang="en-US" dirty="0"/>
           </a:p>
         </p:txBody>
       </p:sp>
@@ -2518,7 +2506,7 @@
           <a:bodyPr/>
           <a:lstStyle/>
           <a:p>
-            <a:endParaRPr lang="en-US"/>
+            <a:endParaRPr lang="en-US" dirty="0"/>
           </a:p>
         </p:txBody>
       </p:sp>
@@ -2542,7 +2530,7 @@
               <a:pPr/>
               <a:t>‹#›</a:t>
             </a:fld>
-            <a:endParaRPr lang="en-US"/>
+            <a:endParaRPr lang="en-US" dirty="0"/>
           </a:p>
         </p:txBody>
       </p:sp>
@@ -2690,7 +2678,7 @@
               <a:pPr/>
               <a:t>07/12/2015</a:t>
             </a:fld>
-            <a:endParaRPr lang="en-US"/>
+            <a:endParaRPr lang="en-US" dirty="0"/>
           </a:p>
         </p:txBody>
       </p:sp>
@@ -2709,7 +2697,7 @@
           <a:bodyPr/>
           <a:lstStyle/>
           <a:p>
-            <a:endParaRPr lang="en-US"/>
+            <a:endParaRPr lang="en-US" dirty="0"/>
           </a:p>
         </p:txBody>
       </p:sp>
@@ -2733,7 +2721,7 @@
               <a:pPr/>
               <a:t>‹#›</a:t>
             </a:fld>
-            <a:endParaRPr lang="en-US"/>
+            <a:endParaRPr lang="en-US" dirty="0"/>
           </a:p>
         </p:txBody>
       </p:sp>
@@ -2916,7 +2904,7 @@
           </a:lstStyle>
           <a:p>
             <a:r>
-              <a:rPr lang="en-US" smtClean="0"/>
+              <a:rPr lang="en-US" dirty="0" smtClean="0"/>
               <a:t>Click icon to add picture</a:t>
             </a:r>
             <a:endParaRPr lang="en-US" dirty="0"/>
@@ -3224,7 +3212,7 @@
           <a:lstStyle/>
           <a:p>
             <a:pPr algn="ctr"/>
-            <a:endParaRPr lang="en-US"/>
+            <a:endParaRPr lang="en-US" dirty="0"/>
           </a:p>
         </p:txBody>
       </p:sp>
@@ -3270,7 +3258,7 @@
           <a:lstStyle/>
           <a:p>
             <a:pPr algn="ctr"/>
-            <a:endParaRPr lang="en-US"/>
+            <a:endParaRPr lang="en-US" dirty="0"/>
           </a:p>
         </p:txBody>
       </p:sp>
@@ -3814,8 +3802,17 @@
           <a:p>
             <a:r>
               <a:rPr lang="en-US" dirty="0" smtClean="0"/>
-              <a:t>Browsers read CSS right to left.</a:t>
-            </a:r>
+              <a:t>Browsers read CSS right to </a:t>
+            </a:r>
+            <a:r>
+              <a:rPr lang="en-US" dirty="0" smtClean="0"/>
+              <a:t>left so make the last selector as specific as possible</a:t>
+            </a:r>
+            <a:r>
+              <a:rPr lang="en-US" dirty="0" smtClean="0"/>
+              <a:t> to quickly get matched.</a:t>
+            </a:r>
+            <a:endParaRPr lang="en-US" dirty="0" smtClean="0"/>
           </a:p>
           <a:p>
             <a:r>
@@ -3865,6 +3862,13 @@
   <p:clrMapOvr>
     <a:masterClrMapping/>
   </p:clrMapOvr>
+  <p:timing>
+    <p:tnLst>
+      <p:par>
+        <p:cTn xmlns:p14="http://schemas.microsoft.com/office/powerpoint/2010/main" id="1" dur="indefinite" restart="never" nodeType="tmRoot"/>
+      </p:par>
+    </p:tnLst>
+  </p:timing>
 </p:sld>
 </file>
 
@@ -4109,7 +4113,7 @@
               <a:t>Width can be set using a unit (e.g. </a:t>
             </a:r>
             <a:r>
-              <a:rPr lang="en-US" dirty="0" err="1" smtClean="0"/>
+              <a:rPr lang="en-US" dirty="0" smtClean="0"/>
               <a:t>px</a:t>
             </a:r>
             <a:r>
@@ -4117,7 +4121,7 @@
               <a:t>, cm, </a:t>
             </a:r>
             <a:r>
-              <a:rPr lang="en-US" dirty="0" err="1" smtClean="0"/>
+              <a:rPr lang="en-US" dirty="0" smtClean="0"/>
               <a:t>em</a:t>
             </a:r>
             <a:r>
@@ -4165,6 +4169,13 @@
   <p:clrMapOvr>
     <a:masterClrMapping/>
   </p:clrMapOvr>
+  <p:timing>
+    <p:tnLst>
+      <p:par>
+        <p:cTn xmlns:p14="http://schemas.microsoft.com/office/powerpoint/2010/main" id="1" dur="indefinite" restart="never" nodeType="tmRoot"/>
+      </p:par>
+    </p:tnLst>
+  </p:timing>
 </p:sld>
 </file>
 
@@ -4330,6 +4341,13 @@
   <p:clrMapOvr>
     <a:masterClrMapping/>
   </p:clrMapOvr>
+  <p:timing>
+    <p:tnLst>
+      <p:par>
+        <p:cTn xmlns:p14="http://schemas.microsoft.com/office/powerpoint/2010/main" id="1" dur="indefinite" restart="never" nodeType="tmRoot"/>
+      </p:par>
+    </p:tnLst>
+  </p:timing>
 </p:sld>
 </file>
 
@@ -4408,6 +4426,13 @@
   <p:clrMapOvr>
     <a:masterClrMapping/>
   </p:clrMapOvr>
+  <p:timing>
+    <p:tnLst>
+      <p:par>
+        <p:cTn xmlns:p14="http://schemas.microsoft.com/office/powerpoint/2010/main" id="1" dur="indefinite" restart="never" nodeType="tmRoot"/>
+      </p:par>
+    </p:tnLst>
+  </p:timing>
 </p:sld>
 </file>
 
@@ -4578,7 +4603,23 @@
           <a:p>
             <a:r>
               <a:rPr lang="en-US" dirty="0" smtClean="0"/>
-              <a:t>Will cause the element to loose its natural width because it looses its block element status, so it effectively becomes an inline element.</a:t>
+              <a:t>Will cause the element to </a:t>
+            </a:r>
+            <a:r>
+              <a:rPr lang="en-US" dirty="0" smtClean="0"/>
+              <a:t>lose </a:t>
+            </a:r>
+            <a:r>
+              <a:rPr lang="en-US" dirty="0" smtClean="0"/>
+              <a:t>its natural width because it </a:t>
+            </a:r>
+            <a:r>
+              <a:rPr lang="en-US" dirty="0" smtClean="0"/>
+              <a:t>loses </a:t>
+            </a:r>
+            <a:r>
+              <a:rPr lang="en-US" dirty="0" smtClean="0"/>
+              <a:t>its block element status, so it effectively becomes an inline element.</a:t>
             </a:r>
           </a:p>
           <a:p>
@@ -4680,7 +4721,11 @@
           <a:p>
             <a:r>
               <a:rPr lang="en-US" dirty="0" smtClean="0"/>
-              <a:t>Positions the element relative to its normal position.</a:t>
+              <a:t>Positions the element relative to its normal </a:t>
+            </a:r>
+            <a:r>
+              <a:rPr lang="en-US" dirty="0" smtClean="0"/>
+              <a:t>position. </a:t>
             </a:r>
           </a:p>
           <a:p>
@@ -4688,21 +4733,60 @@
               <a:rPr lang="en-US" dirty="0" smtClean="0"/>
               <a:t>E.g. </a:t>
             </a:r>
-          </a:p>
-          <a:p>
-            <a:r>
-              <a:rPr lang="en-US" dirty="0" err="1" smtClean="0"/>
-              <a:t>Positon</a:t>
-            </a:r>
-            <a:r>
-              <a:rPr lang="en-US" dirty="0" smtClean="0"/>
-              <a:t> :relative, left: 20px</a:t>
-            </a:r>
-          </a:p>
-          <a:p>
-            <a:r>
-              <a:rPr lang="en-US" dirty="0" smtClean="0"/>
-              <a:t>Would move the element left 20px</a:t>
+            <a:r>
+              <a:rPr lang="en-US" dirty="0" smtClean="0"/>
+              <a:t>adding </a:t>
+            </a:r>
+            <a:r>
+              <a:rPr lang="en-US" sz="1800" dirty="0" smtClean="0">
+                <a:latin typeface="Monaco"/>
+                <a:cs typeface="Monaco"/>
+              </a:rPr>
+              <a:t>‘position</a:t>
+            </a:r>
+            <a:r>
+              <a:rPr lang="en-US" sz="1800" dirty="0" smtClean="0">
+                <a:latin typeface="Monaco"/>
+                <a:cs typeface="Monaco"/>
+              </a:rPr>
+              <a:t>: relative</a:t>
+            </a:r>
+            <a:r>
+              <a:rPr lang="en-US" sz="1800" dirty="0" smtClean="0">
+                <a:latin typeface="Monaco"/>
+                <a:cs typeface="Monaco"/>
+              </a:rPr>
+              <a:t>, left: </a:t>
+            </a:r>
+            <a:r>
+              <a:rPr lang="en-US" sz="1800" dirty="0" smtClean="0">
+                <a:latin typeface="Monaco"/>
+                <a:cs typeface="Monaco"/>
+              </a:rPr>
+              <a:t>20px’</a:t>
+            </a:r>
+            <a:r>
+              <a:rPr lang="en-US" sz="1800" dirty="0">
+                <a:latin typeface="Monaco"/>
+                <a:cs typeface="Monaco"/>
+              </a:rPr>
+              <a:t> </a:t>
+            </a:r>
+            <a:r>
+              <a:rPr lang="en-US" dirty="0"/>
+              <a:t>w</a:t>
+            </a:r>
+            <a:r>
+              <a:rPr lang="en-US" dirty="0" smtClean="0"/>
+              <a:t>ould </a:t>
+            </a:r>
+            <a:r>
+              <a:rPr lang="en-US" dirty="0" smtClean="0"/>
+              <a:t>move the element left </a:t>
+            </a:r>
+            <a:r>
+              <a:rPr lang="en-US" dirty="0" smtClean="0"/>
+              <a:t>20px.</a:t>
             </a:r>
             <a:endParaRPr lang="en-US" dirty="0"/>
           </a:p>
@@ -4785,7 +4869,11 @@
           <a:p>
             <a:r>
               <a:rPr lang="en-US" dirty="0" smtClean="0"/>
-              <a:t>Allow you to understand which of the workshops you would benefit most from.</a:t>
+              <a:t>Allow you to understand which of the workshops you would benefit </a:t>
+            </a:r>
+            <a:r>
+              <a:rPr lang="en-US" dirty="0" smtClean="0"/>
+              <a:t>from most.</a:t>
             </a:r>
             <a:endParaRPr lang="en-US" dirty="0"/>
           </a:p>
@@ -4798,8 +4886,19 @@
           <a:p>
             <a:r>
               <a:rPr lang="en-US" dirty="0" smtClean="0"/>
-              <a:t>Quickly give you some general CSS tips and tricks.</a:t>
-            </a:r>
+              <a:t>Quickly give you some general CSS tips and tricks</a:t>
+            </a:r>
+            <a:r>
+              <a:rPr lang="en-US" dirty="0" smtClean="0"/>
+              <a:t>.</a:t>
+            </a:r>
+          </a:p>
+          <a:p>
+            <a:r>
+              <a:rPr lang="en-US" dirty="0" smtClean="0"/>
+              <a:t>Get you to engage and ask questions about everything we talk about today.</a:t>
+            </a:r>
+            <a:endParaRPr lang="en-US" dirty="0" smtClean="0"/>
           </a:p>
           <a:p>
             <a:endParaRPr lang="en-US" dirty="0" smtClean="0"/>
@@ -4992,7 +5091,15 @@
           <a:p>
             <a:r>
               <a:rPr lang="en-US" dirty="0" smtClean="0"/>
-              <a:t>Not effected by setting top, left, bottom or right.</a:t>
+              <a:t>Not </a:t>
+            </a:r>
+            <a:r>
+              <a:rPr lang="en-US" dirty="0" smtClean="0"/>
+              <a:t>affected </a:t>
+            </a:r>
+            <a:r>
+              <a:rPr lang="en-US" dirty="0" smtClean="0"/>
+              <a:t>by setting top, left, bottom or right.</a:t>
             </a:r>
           </a:p>
           <a:p>
@@ -5083,22 +5190,21 @@
           <a:p>
             <a:r>
               <a:rPr lang="en-US" dirty="0" smtClean="0"/>
-              <a:t>Used correctly can greatly reduces the code needed to style an element.</a:t>
-            </a:r>
-          </a:p>
-          <a:p>
-            <a:r>
-              <a:rPr lang="en-US" dirty="0" smtClean="0"/>
-              <a:t>Used incorrectly can cripples your </a:t>
-            </a:r>
-            <a:r>
-              <a:rPr lang="en-US" dirty="0" smtClean="0"/>
-              <a:t>whole </a:t>
-            </a:r>
-            <a:r>
-              <a:rPr lang="en-US" dirty="0" smtClean="0"/>
-              <a:t>application.</a:t>
-            </a:r>
+              <a:t>Used correctly can greatly </a:t>
+            </a:r>
+            <a:r>
+              <a:rPr lang="en-US" dirty="0" smtClean="0"/>
+              <a:t>reduce </a:t>
+            </a:r>
+            <a:r>
+              <a:rPr lang="en-US" dirty="0" smtClean="0"/>
+              <a:t>the code needed to style an element</a:t>
+            </a:r>
+            <a:r>
+              <a:rPr lang="en-US" dirty="0" smtClean="0"/>
+              <a:t>.</a:t>
+            </a:r>
+            <a:endParaRPr lang="en-US" dirty="0" smtClean="0"/>
           </a:p>
           <a:p>
             <a:r>
@@ -5117,7 +5223,7 @@
               <a:t>Textual properties (color, font, </a:t>
             </a:r>
             <a:r>
-              <a:rPr lang="en-US" dirty="0" err="1" smtClean="0"/>
+              <a:rPr lang="en-US" dirty="0" smtClean="0"/>
               <a:t>etc</a:t>
             </a:r>
             <a:r>
@@ -5161,7 +5267,7 @@
               <a:t>.</a:t>
             </a:r>
             <a:r>
-              <a:rPr lang="en-US" sz="1800" dirty="0" err="1" smtClean="0">
+              <a:rPr lang="en-US" sz="1800" dirty="0" smtClean="0">
                 <a:latin typeface="Monaco"/>
                 <a:cs typeface="Monaco"/>
               </a:rPr>
@@ -5333,7 +5439,7 @@
               <a:t>.</a:t>
             </a:r>
             <a:r>
-              <a:rPr lang="en-US" dirty="0" err="1" smtClean="0">
+              <a:rPr lang="en-US" dirty="0" smtClean="0">
                 <a:latin typeface="Monaco"/>
                 <a:cs typeface="Monaco"/>
               </a:rPr>
@@ -5359,7 +5465,7 @@
               <a:t>.</a:t>
             </a:r>
             <a:r>
-              <a:rPr lang="en-US" dirty="0" err="1" smtClean="0">
+              <a:rPr lang="en-US" dirty="0" smtClean="0">
                 <a:latin typeface="Monaco"/>
                 <a:cs typeface="Monaco"/>
               </a:rPr>
@@ -5668,6 +5774,13 @@
   <p:clrMapOvr>
     <a:masterClrMapping/>
   </p:clrMapOvr>
+  <p:timing>
+    <p:tnLst>
+      <p:par>
+        <p:cTn xmlns:p14="http://schemas.microsoft.com/office/powerpoint/2010/main" id="1" dur="indefinite" restart="never" nodeType="tmRoot"/>
+      </p:par>
+    </p:tnLst>
+  </p:timing>
 </p:sld>
 </file>
 
@@ -5735,7 +5848,7 @@
               <a:t>Use something like </a:t>
             </a:r>
             <a:r>
-              <a:rPr lang="en-US" dirty="0" err="1" smtClean="0"/>
+              <a:rPr lang="en-US" dirty="0" smtClean="0"/>
               <a:t>codepen</a:t>
             </a:r>
             <a:r>
@@ -6331,7 +6444,7 @@
               <a:t>e.g. .content .</a:t>
             </a:r>
             <a:r>
-              <a:rPr lang="en-GB" dirty="0" err="1" smtClean="0"/>
+              <a:rPr lang="en-GB" dirty="0" smtClean="0"/>
               <a:t>btn</a:t>
             </a:r>
             <a:r>
@@ -6339,7 +6452,7 @@
               <a:t> {padding: 10px} should actually be .</a:t>
             </a:r>
             <a:r>
-              <a:rPr lang="en-GB" dirty="0" err="1" smtClean="0"/>
+              <a:rPr lang="en-GB" dirty="0" smtClean="0"/>
               <a:t>btn</a:t>
             </a:r>
             <a:r>
@@ -6372,6 +6485,13 @@
   <p:clrMapOvr>
     <a:masterClrMapping/>
   </p:clrMapOvr>
+  <p:timing>
+    <p:tnLst>
+      <p:par>
+        <p:cTn xmlns:p14="http://schemas.microsoft.com/office/powerpoint/2010/main" id="1" dur="indefinite" restart="never" nodeType="tmRoot"/>
+      </p:par>
+    </p:tnLst>
+  </p:timing>
 </p:sld>
 </file>
 
@@ -6564,7 +6684,7 @@
               <a:t>#</a:t>
             </a:r>
             <a:r>
-              <a:rPr lang="en-US" sz="2400" dirty="0" err="1">
+              <a:rPr lang="en-US" sz="2400" dirty="0">
                 <a:latin typeface="Monaco"/>
                 <a:cs typeface="Monaco"/>
               </a:rPr>
@@ -6614,7 +6734,7 @@
               <a:t>.</a:t>
             </a:r>
             <a:r>
-              <a:rPr lang="en-US" sz="2400" dirty="0" err="1">
+              <a:rPr lang="en-US" sz="2400" dirty="0">
                 <a:latin typeface="Monaco"/>
                 <a:cs typeface="Monaco"/>
               </a:rPr>
@@ -6784,7 +6904,7 @@
               <a:t>http://</a:t>
             </a:r>
             <a:r>
-              <a:rPr lang="en-US" dirty="0" err="1"/>
+              <a:rPr lang="en-US" dirty="0"/>
               <a:t>specificity.keegan.st</a:t>
             </a:r>
             <a:r>
@@ -7105,7 +7225,7 @@
               <a:t>#</a:t>
             </a:r>
             <a:r>
-              <a:rPr lang="en-US" dirty="0" err="1" smtClean="0">
+              <a:rPr lang="en-US" dirty="0" smtClean="0">
                 <a:latin typeface="Monaco"/>
                 <a:cs typeface="Monaco"/>
               </a:rPr>
@@ -7357,13 +7477,21 @@
           <a:p>
             <a:r>
               <a:rPr lang="en-US" dirty="0" smtClean="0"/>
-              <a:t>ID’s have a high specificity making them difficult to override.</a:t>
-            </a:r>
-          </a:p>
-          <a:p>
-            <a:r>
-              <a:rPr lang="en-US" dirty="0" smtClean="0"/>
-              <a:t>ID’s are not reusable, a single class can be added to </a:t>
+              <a:t>ID’s have a </a:t>
+            </a:r>
+            <a:r>
+              <a:rPr lang="en-US" dirty="0" smtClean="0"/>
+              <a:t>high specificity making them difficult to override.</a:t>
+            </a:r>
+          </a:p>
+          <a:p>
+            <a:r>
+              <a:rPr lang="en-US" dirty="0" smtClean="0"/>
+              <a:t>ID’s are </a:t>
+            </a:r>
+            <a:r>
+              <a:rPr lang="en-US" dirty="0" smtClean="0"/>
+              <a:t>not reusable, a single class can be added to </a:t>
             </a:r>
             <a:r>
               <a:rPr lang="en-US" dirty="0" smtClean="0"/>
@@ -7377,7 +7505,27 @@
           <a:p>
             <a:r>
               <a:rPr lang="en-US" dirty="0" smtClean="0"/>
-              <a:t>A single element has one id which means you cant use composition to build up your styles.</a:t>
+              <a:t>A single element has one </a:t>
+            </a:r>
+            <a:r>
+              <a:rPr lang="en-US" dirty="0" smtClean="0"/>
+              <a:t>ID</a:t>
+            </a:r>
+            <a:r>
+              <a:rPr lang="en-US" dirty="0" smtClean="0"/>
+              <a:t> </a:t>
+            </a:r>
+            <a:r>
+              <a:rPr lang="en-US" dirty="0" smtClean="0"/>
+              <a:t>which means you </a:t>
+            </a:r>
+            <a:r>
+              <a:rPr lang="en-US" dirty="0" smtClean="0"/>
+              <a:t>can’t </a:t>
+            </a:r>
+            <a:r>
+              <a:rPr lang="en-US" dirty="0" smtClean="0"/>
+              <a:t>use composition to build up your styles.</a:t>
             </a:r>
           </a:p>
           <a:p>
@@ -7401,6 +7549,13 @@
   <p:clrMapOvr>
     <a:masterClrMapping/>
   </p:clrMapOvr>
+  <p:timing>
+    <p:tnLst>
+      <p:par>
+        <p:cTn xmlns:p14="http://schemas.microsoft.com/office/powerpoint/2010/main" id="1" dur="indefinite" restart="never" nodeType="tmRoot"/>
+      </p:par>
+    </p:tnLst>
+  </p:timing>
 </p:sld>
 </file>
 

--- a/CSS_Taster.pptx
+++ b/CSS_Taster.pptx
@@ -5,7 +5,7 @@
     <p:sldMasterId id="2147483950" r:id="rId1"/>
   </p:sldMasterIdLst>
   <p:notesMasterIdLst>
-    <p:notesMasterId r:id="rId30"/>
+    <p:notesMasterId r:id="rId29"/>
   </p:notesMasterIdLst>
   <p:sldIdLst>
     <p:sldId id="256" r:id="rId2"/>
@@ -15,27 +15,26 @@
     <p:sldId id="260" r:id="rId6"/>
     <p:sldId id="261" r:id="rId7"/>
     <p:sldId id="262" r:id="rId8"/>
-    <p:sldId id="264" r:id="rId9"/>
-    <p:sldId id="279" r:id="rId10"/>
-    <p:sldId id="280" r:id="rId11"/>
-    <p:sldId id="265" r:id="rId12"/>
-    <p:sldId id="266" r:id="rId13"/>
-    <p:sldId id="284" r:id="rId14"/>
-    <p:sldId id="267" r:id="rId15"/>
-    <p:sldId id="282" r:id="rId16"/>
-    <p:sldId id="283" r:id="rId17"/>
-    <p:sldId id="270" r:id="rId18"/>
-    <p:sldId id="278" r:id="rId19"/>
-    <p:sldId id="275" r:id="rId20"/>
-    <p:sldId id="276" r:id="rId21"/>
-    <p:sldId id="277" r:id="rId22"/>
-    <p:sldId id="268" r:id="rId23"/>
-    <p:sldId id="269" r:id="rId24"/>
-    <p:sldId id="271" r:id="rId25"/>
-    <p:sldId id="281" r:id="rId26"/>
-    <p:sldId id="272" r:id="rId27"/>
-    <p:sldId id="273" r:id="rId28"/>
-    <p:sldId id="274" r:id="rId29"/>
+    <p:sldId id="279" r:id="rId9"/>
+    <p:sldId id="280" r:id="rId10"/>
+    <p:sldId id="265" r:id="rId11"/>
+    <p:sldId id="266" r:id="rId12"/>
+    <p:sldId id="284" r:id="rId13"/>
+    <p:sldId id="267" r:id="rId14"/>
+    <p:sldId id="282" r:id="rId15"/>
+    <p:sldId id="283" r:id="rId16"/>
+    <p:sldId id="270" r:id="rId17"/>
+    <p:sldId id="278" r:id="rId18"/>
+    <p:sldId id="275" r:id="rId19"/>
+    <p:sldId id="276" r:id="rId20"/>
+    <p:sldId id="277" r:id="rId21"/>
+    <p:sldId id="268" r:id="rId22"/>
+    <p:sldId id="269" r:id="rId23"/>
+    <p:sldId id="271" r:id="rId24"/>
+    <p:sldId id="281" r:id="rId25"/>
+    <p:sldId id="272" r:id="rId26"/>
+    <p:sldId id="273" r:id="rId27"/>
+    <p:sldId id="274" r:id="rId28"/>
   </p:sldIdLst>
   <p:sldSz cx="9144000" cy="6858000" type="screen4x3"/>
   <p:notesSz cx="7010400" cy="9296400"/>
@@ -146,7 +145,6 @@
             <p14:sldId id="260"/>
             <p14:sldId id="261"/>
             <p14:sldId id="262"/>
-            <p14:sldId id="264"/>
             <p14:sldId id="279"/>
             <p14:sldId id="280"/>
             <p14:sldId id="265"/>
@@ -594,7 +592,7 @@
           <a:p>
             <a:fld id="{DD9BA307-6D5B-F44C-AC1A-F01E4F177136}" type="slidenum">
               <a:rPr lang="en-US" smtClean="0"/>
-              <a:t>22</a:t>
+              <a:t>21</a:t>
             </a:fld>
             <a:endParaRPr lang="en-US" dirty="0"/>
           </a:p>
@@ -3779,133 +3777,6 @@
           <a:p>
             <a:r>
               <a:rPr lang="en-US" dirty="0" smtClean="0"/>
-              <a:t>Performance</a:t>
-            </a:r>
-            <a:endParaRPr lang="en-US" dirty="0"/>
-          </a:p>
-        </p:txBody>
-      </p:sp>
-      <p:sp>
-        <p:nvSpPr>
-          <p:cNvPr id="3" name="Content Placeholder 2"/>
-          <p:cNvSpPr>
-            <a:spLocks noGrp="1"/>
-          </p:cNvSpPr>
-          <p:nvPr>
-            <p:ph idx="1"/>
-          </p:nvPr>
-        </p:nvSpPr>
-        <p:spPr/>
-        <p:txBody>
-          <a:bodyPr/>
-          <a:lstStyle/>
-          <a:p>
-            <a:r>
-              <a:rPr lang="en-US" dirty="0" smtClean="0"/>
-              <a:t>Browsers read CSS right to </a:t>
-            </a:r>
-            <a:r>
-              <a:rPr lang="en-US" dirty="0" smtClean="0"/>
-              <a:t>left so make the last selector as specific as possible</a:t>
-            </a:r>
-            <a:r>
-              <a:rPr lang="en-US" dirty="0" smtClean="0"/>
-              <a:t> to quickly get matched.</a:t>
-            </a:r>
-            <a:endParaRPr lang="en-US" dirty="0" smtClean="0"/>
-          </a:p>
-          <a:p>
-            <a:r>
-              <a:rPr lang="en-US" dirty="0"/>
-              <a:t>I</a:t>
-            </a:r>
-            <a:r>
-              <a:rPr lang="en-US" dirty="0" smtClean="0"/>
-              <a:t>f </a:t>
-            </a:r>
-            <a:r>
-              <a:rPr lang="en-US" dirty="0"/>
-              <a:t>you know the </a:t>
-            </a:r>
-            <a:r>
-              <a:rPr lang="en-US" dirty="0" smtClean="0"/>
-              <a:t>DOM then </a:t>
-            </a:r>
-            <a:r>
-              <a:rPr lang="en-US" dirty="0"/>
-              <a:t>use child selector (&gt;) as then it only goes up one </a:t>
-            </a:r>
-            <a:r>
-              <a:rPr lang="en-US" dirty="0" smtClean="0"/>
-              <a:t>DOM level.</a:t>
-            </a:r>
-          </a:p>
-          <a:p>
-            <a:r>
-              <a:rPr lang="en-US" dirty="0" smtClean="0"/>
-              <a:t>Use the wildcard selector sparingly as the name suggest it matches all elements.</a:t>
-            </a:r>
-            <a:endParaRPr lang="en-US" dirty="0"/>
-          </a:p>
-          <a:p>
-            <a:endParaRPr lang="en-US" dirty="0" smtClean="0"/>
-          </a:p>
-        </p:txBody>
-      </p:sp>
-    </p:spTree>
-    <p:extLst>
-      <p:ext uri="{BB962C8B-B14F-4D97-AF65-F5344CB8AC3E}">
-        <p14:creationId xmlns:p14="http://schemas.microsoft.com/office/powerpoint/2010/main" val="628673121"/>
-      </p:ext>
-    </p:extLst>
-  </p:cSld>
-  <p:clrMapOvr>
-    <a:masterClrMapping/>
-  </p:clrMapOvr>
-  <p:timing>
-    <p:tnLst>
-      <p:par>
-        <p:cTn xmlns:p14="http://schemas.microsoft.com/office/powerpoint/2010/main" id="1" dur="indefinite" restart="never" nodeType="tmRoot"/>
-      </p:par>
-    </p:tnLst>
-  </p:timing>
-</p:sld>
-</file>
-
-<file path=ppt/slides/slide11.xml><?xml version="1.0" encoding="utf-8"?>
-<p:sld xmlns:a="http://schemas.openxmlformats.org/drawingml/2006/main" xmlns:r="http://schemas.openxmlformats.org/officeDocument/2006/relationships" xmlns:p="http://schemas.openxmlformats.org/presentationml/2006/main">
-  <p:cSld>
-    <p:spTree>
-      <p:nvGrpSpPr>
-        <p:cNvPr id="1" name=""/>
-        <p:cNvGrpSpPr/>
-        <p:nvPr/>
-      </p:nvGrpSpPr>
-      <p:grpSpPr>
-        <a:xfrm>
-          <a:off x="0" y="0"/>
-          <a:ext cx="0" cy="0"/>
-          <a:chOff x="0" y="0"/>
-          <a:chExt cx="0" cy="0"/>
-        </a:xfrm>
-      </p:grpSpPr>
-      <p:sp>
-        <p:nvSpPr>
-          <p:cNvPr id="2" name="Title 1"/>
-          <p:cNvSpPr>
-            <a:spLocks noGrp="1"/>
-          </p:cNvSpPr>
-          <p:nvPr>
-            <p:ph type="title"/>
-          </p:nvPr>
-        </p:nvSpPr>
-        <p:spPr/>
-        <p:txBody>
-          <a:bodyPr/>
-          <a:lstStyle/>
-          <a:p>
-            <a:r>
-              <a:rPr lang="en-US" dirty="0" smtClean="0"/>
               <a:t>The box model</a:t>
             </a:r>
             <a:endParaRPr lang="en-US" dirty="0"/>
@@ -3956,6 +3827,91 @@
 </p:sld>
 </file>
 
+<file path=ppt/slides/slide11.xml><?xml version="1.0" encoding="utf-8"?>
+<p:sld xmlns:a="http://schemas.openxmlformats.org/drawingml/2006/main" xmlns:r="http://schemas.openxmlformats.org/officeDocument/2006/relationships" xmlns:p="http://schemas.openxmlformats.org/presentationml/2006/main">
+  <p:cSld>
+    <p:spTree>
+      <p:nvGrpSpPr>
+        <p:cNvPr id="1" name=""/>
+        <p:cNvGrpSpPr/>
+        <p:nvPr/>
+      </p:nvGrpSpPr>
+      <p:grpSpPr>
+        <a:xfrm>
+          <a:off x="0" y="0"/>
+          <a:ext cx="0" cy="0"/>
+          <a:chOff x="0" y="0"/>
+          <a:chExt cx="0" cy="0"/>
+        </a:xfrm>
+      </p:grpSpPr>
+      <p:sp>
+        <p:nvSpPr>
+          <p:cNvPr id="2" name="Title 1"/>
+          <p:cNvSpPr>
+            <a:spLocks noGrp="1"/>
+          </p:cNvSpPr>
+          <p:nvPr>
+            <p:ph type="title"/>
+          </p:nvPr>
+        </p:nvSpPr>
+        <p:spPr/>
+        <p:txBody>
+          <a:bodyPr/>
+          <a:lstStyle/>
+          <a:p>
+            <a:r>
+              <a:rPr lang="en-US" dirty="0" smtClean="0"/>
+              <a:t>Margins</a:t>
+            </a:r>
+            <a:endParaRPr lang="en-US" dirty="0"/>
+          </a:p>
+        </p:txBody>
+      </p:sp>
+      <p:sp>
+        <p:nvSpPr>
+          <p:cNvPr id="3" name="Content Placeholder 2"/>
+          <p:cNvSpPr>
+            <a:spLocks noGrp="1"/>
+          </p:cNvSpPr>
+          <p:nvPr>
+            <p:ph idx="1"/>
+          </p:nvPr>
+        </p:nvSpPr>
+        <p:spPr/>
+        <p:txBody>
+          <a:bodyPr/>
+          <a:lstStyle/>
+          <a:p>
+            <a:r>
+              <a:rPr lang="en-US" dirty="0" smtClean="0"/>
+              <a:t>Used to state where an object should position itself inside its parent container.</a:t>
+            </a:r>
+          </a:p>
+          <a:p>
+            <a:endParaRPr lang="en-US" dirty="0"/>
+          </a:p>
+        </p:txBody>
+      </p:sp>
+    </p:spTree>
+    <p:extLst>
+      <p:ext uri="{BB962C8B-B14F-4D97-AF65-F5344CB8AC3E}">
+        <p14:creationId xmlns:p14="http://schemas.microsoft.com/office/powerpoint/2010/main" val="3706361754"/>
+      </p:ext>
+    </p:extLst>
+  </p:cSld>
+  <p:clrMapOvr>
+    <a:masterClrMapping/>
+  </p:clrMapOvr>
+  <p:timing>
+    <p:tnLst>
+      <p:par>
+        <p:cTn xmlns:p14="http://schemas.microsoft.com/office/powerpoint/2010/main" id="1" dur="indefinite" restart="never" nodeType="tmRoot"/>
+      </p:par>
+    </p:tnLst>
+  </p:timing>
+</p:sld>
+</file>
+
 <file path=ppt/slides/slide12.xml><?xml version="1.0" encoding="utf-8"?>
 <p:sld xmlns:a="http://schemas.openxmlformats.org/drawingml/2006/main" xmlns:r="http://schemas.openxmlformats.org/officeDocument/2006/relationships" xmlns:p="http://schemas.openxmlformats.org/presentationml/2006/main">
   <p:cSld>
@@ -3990,7 +3946,7 @@
           <a:p>
             <a:r>
               <a:rPr lang="en-US" dirty="0" smtClean="0"/>
-              <a:t>Margins</a:t>
+              <a:t>Borders</a:t>
             </a:r>
             <a:endParaRPr lang="en-US" dirty="0"/>
           </a:p>
@@ -4013,8 +3969,61 @@
           <a:p>
             <a:r>
               <a:rPr lang="en-US" dirty="0" smtClean="0"/>
-              <a:t>Used to state where an object should position itself inside its parent container.</a:t>
-            </a:r>
+              <a:t>Made up of a style, width and colour.</a:t>
+            </a:r>
+          </a:p>
+          <a:p>
+            <a:r>
+              <a:rPr lang="en-US" dirty="0" smtClean="0"/>
+              <a:t>Multiple styles (dotted, dashed, solid, double, groove, ridge, inset, outset, none and hidden)</a:t>
+            </a:r>
+          </a:p>
+          <a:p>
+            <a:r>
+              <a:rPr lang="en-US" dirty="0" smtClean="0"/>
+              <a:t>Width can be set using a unit (e.g. </a:t>
+            </a:r>
+            <a:r>
+              <a:rPr lang="en-US" dirty="0" smtClean="0"/>
+              <a:t>px</a:t>
+            </a:r>
+            <a:r>
+              <a:rPr lang="en-US" dirty="0" smtClean="0"/>
+              <a:t>, cm, </a:t>
+            </a:r>
+            <a:r>
+              <a:rPr lang="en-US" dirty="0" smtClean="0"/>
+              <a:t>em</a:t>
+            </a:r>
+            <a:r>
+              <a:rPr lang="en-US" dirty="0" smtClean="0"/>
+              <a:t>) or use one of the predefined values:</a:t>
+            </a:r>
+          </a:p>
+          <a:p>
+            <a:pPr lvl="1"/>
+            <a:r>
+              <a:rPr lang="en-US" dirty="0" smtClean="0"/>
+              <a:t>Thin</a:t>
+            </a:r>
+          </a:p>
+          <a:p>
+            <a:pPr lvl="1"/>
+            <a:r>
+              <a:rPr lang="en-US" dirty="0" smtClean="0"/>
+              <a:t>Medium</a:t>
+            </a:r>
+          </a:p>
+          <a:p>
+            <a:pPr lvl="1"/>
+            <a:r>
+              <a:rPr lang="en-US" dirty="0" smtClean="0"/>
+              <a:t>Thick</a:t>
+            </a:r>
+          </a:p>
+          <a:p>
+            <a:pPr lvl="1"/>
+            <a:endParaRPr lang="en-US" dirty="0" smtClean="0"/>
           </a:p>
           <a:p>
             <a:endParaRPr lang="en-US" dirty="0"/>
@@ -4024,7 +4033,7 @@
     </p:spTree>
     <p:extLst>
       <p:ext uri="{BB962C8B-B14F-4D97-AF65-F5344CB8AC3E}">
-        <p14:creationId xmlns:p14="http://schemas.microsoft.com/office/powerpoint/2010/main" val="3706361754"/>
+        <p14:creationId xmlns:p14="http://schemas.microsoft.com/office/powerpoint/2010/main" val="2452077302"/>
       </p:ext>
     </p:extLst>
   </p:cSld>
@@ -4075,7 +4084,7 @@
           <a:p>
             <a:r>
               <a:rPr lang="en-US" dirty="0" smtClean="0"/>
-              <a:t>Borders</a:t>
+              <a:t>Padding</a:t>
             </a:r>
             <a:endParaRPr lang="en-US" dirty="0"/>
           </a:p>
@@ -4098,63 +4107,8 @@
           <a:p>
             <a:r>
               <a:rPr lang="en-US" dirty="0" smtClean="0"/>
-              <a:t>Made up of a style, width and colour.</a:t>
-            </a:r>
-          </a:p>
-          <a:p>
-            <a:r>
-              <a:rPr lang="en-US" dirty="0" smtClean="0"/>
-              <a:t>Multiple styles (dotted, dashed, solid, double, groove, ridge, inset, outset, none and hidden)</a:t>
-            </a:r>
-          </a:p>
-          <a:p>
-            <a:r>
-              <a:rPr lang="en-US" dirty="0" smtClean="0"/>
-              <a:t>Width can be set using a unit (e.g. </a:t>
-            </a:r>
-            <a:r>
-              <a:rPr lang="en-US" dirty="0" smtClean="0"/>
-              <a:t>px</a:t>
-            </a:r>
-            <a:r>
-              <a:rPr lang="en-US" dirty="0" smtClean="0"/>
-              <a:t>, cm, </a:t>
-            </a:r>
-            <a:r>
-              <a:rPr lang="en-US" dirty="0" smtClean="0"/>
-              <a:t>em</a:t>
-            </a:r>
-            <a:r>
-              <a:rPr lang="en-US" dirty="0" smtClean="0"/>
-              <a:t>) or use one of the predefined values:</a:t>
-            </a:r>
-          </a:p>
-          <a:p>
-            <a:pPr lvl="1"/>
-            <a:r>
-              <a:rPr lang="en-US" dirty="0" smtClean="0"/>
-              <a:t>Thin</a:t>
-            </a:r>
-          </a:p>
-          <a:p>
-            <a:pPr lvl="1"/>
-            <a:r>
-              <a:rPr lang="en-US" dirty="0" smtClean="0"/>
-              <a:t>Medium</a:t>
-            </a:r>
-          </a:p>
-          <a:p>
-            <a:pPr lvl="1"/>
-            <a:r>
-              <a:rPr lang="en-US" dirty="0" smtClean="0"/>
-              <a:t>Thick</a:t>
-            </a:r>
-          </a:p>
-          <a:p>
-            <a:pPr lvl="1"/>
-            <a:endParaRPr lang="en-US" dirty="0" smtClean="0"/>
-          </a:p>
-          <a:p>
+              <a:t>Used to state where elements should position themselves inside of the current element.</a:t>
+            </a:r>
             <a:endParaRPr lang="en-US" dirty="0"/>
           </a:p>
         </p:txBody>
@@ -4162,7 +4116,7 @@
     </p:spTree>
     <p:extLst>
       <p:ext uri="{BB962C8B-B14F-4D97-AF65-F5344CB8AC3E}">
-        <p14:creationId xmlns:p14="http://schemas.microsoft.com/office/powerpoint/2010/main" val="2452077302"/>
+        <p14:creationId xmlns:p14="http://schemas.microsoft.com/office/powerpoint/2010/main" val="3208755167"/>
       </p:ext>
     </p:extLst>
   </p:cSld>
@@ -4213,7 +4167,7 @@
           <a:p>
             <a:r>
               <a:rPr lang="en-US" dirty="0" smtClean="0"/>
-              <a:t>Padding</a:t>
+              <a:t>Widths</a:t>
             </a:r>
             <a:endParaRPr lang="en-US" dirty="0"/>
           </a:p>
@@ -4236,7 +4190,13 @@
           <a:p>
             <a:r>
               <a:rPr lang="en-US" dirty="0" smtClean="0"/>
-              <a:t>Used to state where elements should position themselves inside of the current element.</a:t>
+              <a:t>For block elements the default width is the width of the parent element.</a:t>
+            </a:r>
+          </a:p>
+          <a:p>
+            <a:r>
+              <a:rPr lang="en-US" dirty="0" smtClean="0"/>
+              <a:t>For inline elements the default width is the total width of the content inside it.</a:t>
             </a:r>
             <a:endParaRPr lang="en-US" dirty="0"/>
           </a:p>
@@ -4245,7 +4205,7 @@
     </p:spTree>
     <p:extLst>
       <p:ext uri="{BB962C8B-B14F-4D97-AF65-F5344CB8AC3E}">
-        <p14:creationId xmlns:p14="http://schemas.microsoft.com/office/powerpoint/2010/main" val="3208755167"/>
+        <p14:creationId xmlns:p14="http://schemas.microsoft.com/office/powerpoint/2010/main" val="619974009"/>
       </p:ext>
     </p:extLst>
   </p:cSld>
@@ -4296,7 +4256,7 @@
           <a:p>
             <a:r>
               <a:rPr lang="en-US" dirty="0" smtClean="0"/>
-              <a:t>Widths</a:t>
+              <a:t>Heights</a:t>
             </a:r>
             <a:endParaRPr lang="en-US" dirty="0"/>
           </a:p>
@@ -4319,14 +4279,10 @@
           <a:p>
             <a:r>
               <a:rPr lang="en-US" dirty="0" smtClean="0"/>
-              <a:t>For block elements the default width is the width of the parent element.</a:t>
-            </a:r>
-          </a:p>
-          <a:p>
-            <a:r>
-              <a:rPr lang="en-US" dirty="0" smtClean="0"/>
-              <a:t>For inline elements the default width is the total width of the content inside it.</a:t>
-            </a:r>
+              <a:t>The default height is always the height of the content inside the element.</a:t>
+            </a:r>
+          </a:p>
+          <a:p>
             <a:endParaRPr lang="en-US" dirty="0"/>
           </a:p>
         </p:txBody>
@@ -4334,7 +4290,7 @@
     </p:spTree>
     <p:extLst>
       <p:ext uri="{BB962C8B-B14F-4D97-AF65-F5344CB8AC3E}">
-        <p14:creationId xmlns:p14="http://schemas.microsoft.com/office/powerpoint/2010/main" val="619974009"/>
+        <p14:creationId xmlns:p14="http://schemas.microsoft.com/office/powerpoint/2010/main" val="574541001"/>
       </p:ext>
     </p:extLst>
   </p:cSld>
@@ -4385,7 +4341,7 @@
           <a:p>
             <a:r>
               <a:rPr lang="en-US" dirty="0" smtClean="0"/>
-              <a:t>Heights</a:t>
+              <a:t>Position types</a:t>
             </a:r>
             <a:endParaRPr lang="en-US" dirty="0"/>
           </a:p>
@@ -4408,18 +4364,33 @@
           <a:p>
             <a:r>
               <a:rPr lang="en-US" dirty="0" smtClean="0"/>
-              <a:t>The default height is always the height of the content inside the element.</a:t>
-            </a:r>
-          </a:p>
-          <a:p>
-            <a:endParaRPr lang="en-US" dirty="0"/>
+              <a:t>Absolute</a:t>
+            </a:r>
+          </a:p>
+          <a:p>
+            <a:r>
+              <a:rPr lang="en-US" dirty="0" smtClean="0"/>
+              <a:t>Relative</a:t>
+            </a:r>
+          </a:p>
+          <a:p>
+            <a:r>
+              <a:rPr lang="en-US" dirty="0" smtClean="0"/>
+              <a:t>Fixed</a:t>
+            </a:r>
+          </a:p>
+          <a:p>
+            <a:r>
+              <a:rPr lang="en-US" dirty="0"/>
+              <a:t>Static</a:t>
+            </a:r>
           </a:p>
         </p:txBody>
       </p:sp>
     </p:spTree>
     <p:extLst>
       <p:ext uri="{BB962C8B-B14F-4D97-AF65-F5344CB8AC3E}">
-        <p14:creationId xmlns:p14="http://schemas.microsoft.com/office/powerpoint/2010/main" val="574541001"/>
+        <p14:creationId xmlns:p14="http://schemas.microsoft.com/office/powerpoint/2010/main" val="3659159869"/>
       </p:ext>
     </p:extLst>
   </p:cSld>
@@ -4469,8 +4440,12 @@
           <a:lstStyle/>
           <a:p>
             <a:r>
-              <a:rPr lang="en-US" dirty="0" smtClean="0"/>
-              <a:t>Position types</a:t>
+              <a:rPr lang="en-US" dirty="0"/>
+              <a:t>p</a:t>
+            </a:r>
+            <a:r>
+              <a:rPr lang="en-US" dirty="0" smtClean="0"/>
+              <a:t>osition: absolute</a:t>
             </a:r>
             <a:endParaRPr lang="en-US" dirty="0"/>
           </a:p>
@@ -4493,33 +4468,53 @@
           <a:p>
             <a:r>
               <a:rPr lang="en-US" dirty="0" smtClean="0"/>
-              <a:t>Absolute</a:t>
-            </a:r>
-          </a:p>
-          <a:p>
-            <a:r>
-              <a:rPr lang="en-US" dirty="0" smtClean="0"/>
-              <a:t>Relative</a:t>
-            </a:r>
-          </a:p>
-          <a:p>
-            <a:r>
-              <a:rPr lang="en-US" dirty="0" smtClean="0"/>
-              <a:t>Fixed</a:t>
-            </a:r>
-          </a:p>
-          <a:p>
-            <a:r>
-              <a:rPr lang="en-US" dirty="0"/>
-              <a:t>Static</a:t>
-            </a:r>
+              <a:t>Positions the element relative to the closest parent with position set to relative.</a:t>
+            </a:r>
+          </a:p>
+          <a:p>
+            <a:r>
+              <a:rPr lang="en-US" dirty="0" smtClean="0"/>
+              <a:t>Will cause the element to </a:t>
+            </a:r>
+            <a:r>
+              <a:rPr lang="en-US" dirty="0" smtClean="0"/>
+              <a:t>lose </a:t>
+            </a:r>
+            <a:r>
+              <a:rPr lang="en-US" dirty="0" smtClean="0"/>
+              <a:t>its natural width because it </a:t>
+            </a:r>
+            <a:r>
+              <a:rPr lang="en-US" dirty="0" smtClean="0"/>
+              <a:t>loses </a:t>
+            </a:r>
+            <a:r>
+              <a:rPr lang="en-US" dirty="0" smtClean="0"/>
+              <a:t>its block element status, so it effectively becomes an inline element.</a:t>
+            </a:r>
+          </a:p>
+          <a:p>
+            <a:r>
+              <a:rPr lang="en-US" dirty="0" smtClean="0"/>
+              <a:t>Add position: relative to the parent container to make the child element if you want to use width: 100%</a:t>
+            </a:r>
+          </a:p>
+          <a:p>
+            <a:pPr marL="114300" indent="0">
+              <a:buNone/>
+            </a:pPr>
+            <a:r>
+              <a:rPr lang="en-US" dirty="0" smtClean="0"/>
+              <a:t>TOPTIP: you can use left: 0, right: 0 to make the element span 100% as an alternative to using width: 100% which might be problematic depending on what box-sizing you are using.</a:t>
+            </a:r>
+            <a:endParaRPr lang="en-US" dirty="0"/>
           </a:p>
         </p:txBody>
       </p:sp>
     </p:spTree>
     <p:extLst>
       <p:ext uri="{BB962C8B-B14F-4D97-AF65-F5344CB8AC3E}">
-        <p14:creationId xmlns:p14="http://schemas.microsoft.com/office/powerpoint/2010/main" val="3659159869"/>
+        <p14:creationId xmlns:p14="http://schemas.microsoft.com/office/powerpoint/2010/main" val="1902179256"/>
       </p:ext>
     </p:extLst>
   </p:cSld>
@@ -4574,7 +4569,7 @@
             </a:r>
             <a:r>
               <a:rPr lang="en-US" dirty="0" smtClean="0"/>
-              <a:t>osition: absolute</a:t>
+              <a:t>osition: relative</a:t>
             </a:r>
             <a:endParaRPr lang="en-US" dirty="0"/>
           </a:p>
@@ -4597,44 +4592,72 @@
           <a:p>
             <a:r>
               <a:rPr lang="en-US" dirty="0" smtClean="0"/>
-              <a:t>Positions the element relative to the closest parent with position set to relative.</a:t>
-            </a:r>
-          </a:p>
-          <a:p>
-            <a:r>
-              <a:rPr lang="en-US" dirty="0" smtClean="0"/>
-              <a:t>Will cause the element to </a:t>
-            </a:r>
-            <a:r>
-              <a:rPr lang="en-US" dirty="0" smtClean="0"/>
-              <a:t>lose </a:t>
-            </a:r>
-            <a:r>
-              <a:rPr lang="en-US" dirty="0" smtClean="0"/>
-              <a:t>its natural width because it </a:t>
-            </a:r>
-            <a:r>
-              <a:rPr lang="en-US" dirty="0" smtClean="0"/>
-              <a:t>loses </a:t>
-            </a:r>
-            <a:r>
-              <a:rPr lang="en-US" dirty="0" smtClean="0"/>
-              <a:t>its block element status, so it effectively becomes an inline element.</a:t>
-            </a:r>
-          </a:p>
-          <a:p>
-            <a:r>
-              <a:rPr lang="en-US" dirty="0" smtClean="0"/>
-              <a:t>Add position: relative to the parent container to make the child element if you want to use width: 100%</a:t>
-            </a:r>
-          </a:p>
-          <a:p>
-            <a:pPr marL="114300" indent="0">
-              <a:buNone/>
-            </a:pPr>
-            <a:r>
-              <a:rPr lang="en-US" dirty="0" smtClean="0"/>
-              <a:t>TOPTIP: you can use left: 0, right: 0 to make the element span 100% as an alternative to using width: 100% which might be problematic depending on what box-sizing you are using.</a:t>
+              <a:t>Positions the element relative to its normal </a:t>
+            </a:r>
+            <a:r>
+              <a:rPr lang="en-US" dirty="0" smtClean="0"/>
+              <a:t>position. </a:t>
+            </a:r>
+          </a:p>
+          <a:p>
+            <a:r>
+              <a:rPr lang="en-US" dirty="0" smtClean="0"/>
+              <a:t>E.g. </a:t>
+            </a:r>
+            <a:r>
+              <a:rPr lang="en-US" dirty="0" smtClean="0"/>
+              <a:t>adding </a:t>
+            </a:r>
+            <a:r>
+              <a:rPr lang="en-US" sz="1800" dirty="0" smtClean="0">
+                <a:latin typeface="Monaco"/>
+                <a:cs typeface="Monaco"/>
+              </a:rPr>
+              <a:t>‘position</a:t>
+            </a:r>
+            <a:r>
+              <a:rPr lang="en-US" sz="1800" dirty="0" smtClean="0">
+                <a:latin typeface="Monaco"/>
+                <a:cs typeface="Monaco"/>
+              </a:rPr>
+              <a:t>: relative</a:t>
+            </a:r>
+            <a:r>
+              <a:rPr lang="en-US" sz="1800" dirty="0" smtClean="0">
+                <a:latin typeface="Monaco"/>
+                <a:cs typeface="Monaco"/>
+              </a:rPr>
+              <a:t>, left: </a:t>
+            </a:r>
+            <a:r>
+              <a:rPr lang="en-US" sz="1800" dirty="0" smtClean="0">
+                <a:latin typeface="Monaco"/>
+                <a:cs typeface="Monaco"/>
+              </a:rPr>
+              <a:t>20px’</a:t>
+            </a:r>
+            <a:r>
+              <a:rPr lang="en-US" sz="1800" dirty="0">
+                <a:latin typeface="Monaco"/>
+                <a:cs typeface="Monaco"/>
+              </a:rPr>
+              <a:t> </a:t>
+            </a:r>
+            <a:r>
+              <a:rPr lang="en-US" dirty="0"/>
+              <a:t>w</a:t>
+            </a:r>
+            <a:r>
+              <a:rPr lang="en-US" dirty="0" smtClean="0"/>
+              <a:t>ould </a:t>
+            </a:r>
+            <a:r>
+              <a:rPr lang="en-US" dirty="0" smtClean="0"/>
+              <a:t>move the element left </a:t>
+            </a:r>
+            <a:r>
+              <a:rPr lang="en-US" dirty="0" smtClean="0"/>
+              <a:t>20px.</a:t>
             </a:r>
             <a:endParaRPr lang="en-US" dirty="0"/>
           </a:p>
@@ -4643,7 +4666,7 @@
     </p:spTree>
     <p:extLst>
       <p:ext uri="{BB962C8B-B14F-4D97-AF65-F5344CB8AC3E}">
-        <p14:creationId xmlns:p14="http://schemas.microsoft.com/office/powerpoint/2010/main" val="1902179256"/>
+        <p14:creationId xmlns:p14="http://schemas.microsoft.com/office/powerpoint/2010/main" val="1194774122"/>
       </p:ext>
     </p:extLst>
   </p:cSld>
@@ -4698,7 +4721,7 @@
             </a:r>
             <a:r>
               <a:rPr lang="en-US" dirty="0" smtClean="0"/>
-              <a:t>osition: relative</a:t>
+              <a:t>osition: fixed</a:t>
             </a:r>
             <a:endParaRPr lang="en-US" dirty="0"/>
           </a:p>
@@ -4720,74 +4743,15 @@
           <a:lstStyle/>
           <a:p>
             <a:r>
-              <a:rPr lang="en-US" dirty="0" smtClean="0"/>
-              <a:t>Positions the element relative to its normal </a:t>
-            </a:r>
-            <a:r>
-              <a:rPr lang="en-US" dirty="0" smtClean="0"/>
-              <a:t>position. </a:t>
-            </a:r>
-          </a:p>
-          <a:p>
-            <a:r>
-              <a:rPr lang="en-US" dirty="0" smtClean="0"/>
-              <a:t>E.g. </a:t>
-            </a:r>
-            <a:r>
-              <a:rPr lang="en-US" dirty="0" smtClean="0"/>
-              <a:t>adding </a:t>
-            </a:r>
-            <a:r>
-              <a:rPr lang="en-US" sz="1800" dirty="0" smtClean="0">
-                <a:latin typeface="Monaco"/>
-                <a:cs typeface="Monaco"/>
-              </a:rPr>
-              <a:t>‘position</a:t>
-            </a:r>
-            <a:r>
-              <a:rPr lang="en-US" sz="1800" dirty="0" smtClean="0">
-                <a:latin typeface="Monaco"/>
-                <a:cs typeface="Monaco"/>
-              </a:rPr>
-              <a:t>: relative</a:t>
-            </a:r>
-            <a:r>
-              <a:rPr lang="en-US" sz="1800" dirty="0" smtClean="0">
-                <a:latin typeface="Monaco"/>
-                <a:cs typeface="Monaco"/>
-              </a:rPr>
-              <a:t>, left: </a:t>
-            </a:r>
-            <a:r>
-              <a:rPr lang="en-US" sz="1800" dirty="0" smtClean="0">
-                <a:latin typeface="Monaco"/>
-                <a:cs typeface="Monaco"/>
-              </a:rPr>
-              <a:t>20px’</a:t>
-            </a:r>
-            <a:r>
-              <a:rPr lang="en-US" sz="1800" dirty="0">
-                <a:latin typeface="Monaco"/>
-                <a:cs typeface="Monaco"/>
-              </a:rPr>
-              <a:t> </a:t>
-            </a:r>
-            <a:r>
               <a:rPr lang="en-US" dirty="0"/>
-              <a:t>w</a:t>
-            </a:r>
-            <a:r>
-              <a:rPr lang="en-US" dirty="0" smtClean="0"/>
-              <a:t>ould </a:t>
-            </a:r>
-            <a:r>
-              <a:rPr lang="en-US" dirty="0" smtClean="0"/>
-              <a:t>move the element left </a:t>
-            </a:r>
-            <a:r>
-              <a:rPr lang="en-US" dirty="0" smtClean="0"/>
-              <a:t>20px.</a:t>
-            </a:r>
+              <a:t>Positions the </a:t>
+            </a:r>
+            <a:r>
+              <a:rPr lang="en-US" dirty="0" smtClean="0"/>
+              <a:t>element relative to its viewport causing it to stay in the same position when the page is scrolled.</a:t>
+            </a:r>
+          </a:p>
+          <a:p>
             <a:endParaRPr lang="en-US" dirty="0"/>
           </a:p>
         </p:txBody>
@@ -4795,7 +4759,7 @@
     </p:spTree>
     <p:extLst>
       <p:ext uri="{BB962C8B-B14F-4D97-AF65-F5344CB8AC3E}">
-        <p14:creationId xmlns:p14="http://schemas.microsoft.com/office/powerpoint/2010/main" val="1194774122"/>
+        <p14:creationId xmlns:p14="http://schemas.microsoft.com/office/powerpoint/2010/main" val="1902179256"/>
       </p:ext>
     </p:extLst>
   </p:cSld>
@@ -4969,7 +4933,7 @@
             </a:r>
             <a:r>
               <a:rPr lang="en-US" dirty="0" smtClean="0"/>
-              <a:t>osition: fixed</a:t>
+              <a:t>osition: static</a:t>
             </a:r>
             <a:endParaRPr lang="en-US" dirty="0"/>
           </a:p>
@@ -4991,12 +4955,28 @@
           <a:lstStyle/>
           <a:p>
             <a:r>
-              <a:rPr lang="en-US" dirty="0"/>
-              <a:t>Positions the </a:t>
-            </a:r>
-            <a:r>
-              <a:rPr lang="en-US" dirty="0" smtClean="0"/>
-              <a:t>element relative to its viewport causing it to stay in the same position when the page is scrolled.</a:t>
+              <a:rPr lang="en-US" dirty="0" smtClean="0"/>
+              <a:t>Default position.</a:t>
+            </a:r>
+          </a:p>
+          <a:p>
+            <a:r>
+              <a:rPr lang="en-US" dirty="0" smtClean="0"/>
+              <a:t>Not </a:t>
+            </a:r>
+            <a:r>
+              <a:rPr lang="en-US" dirty="0" smtClean="0"/>
+              <a:t>affected </a:t>
+            </a:r>
+            <a:r>
+              <a:rPr lang="en-US" dirty="0" smtClean="0"/>
+              <a:t>by setting top, left, bottom or right.</a:t>
+            </a:r>
+          </a:p>
+          <a:p>
+            <a:r>
+              <a:rPr lang="en-US" dirty="0" smtClean="0"/>
+              <a:t>Positions the element in accordance to the normal flow of the page.</a:t>
             </a:r>
           </a:p>
           <a:p>
@@ -5057,12 +5037,8 @@
           <a:lstStyle/>
           <a:p>
             <a:r>
-              <a:rPr lang="en-US" dirty="0"/>
-              <a:t>p</a:t>
-            </a:r>
-            <a:r>
-              <a:rPr lang="en-US" dirty="0" smtClean="0"/>
-              <a:t>osition: static</a:t>
+              <a:rPr lang="en-US" dirty="0" smtClean="0"/>
+              <a:t>Inheritance</a:t>
             </a:r>
             <a:endParaRPr lang="en-US" dirty="0"/>
           </a:p>
@@ -5085,28 +5061,133 @@
           <a:p>
             <a:r>
               <a:rPr lang="en-US" dirty="0" smtClean="0"/>
-              <a:t>Default position.</a:t>
-            </a:r>
-          </a:p>
-          <a:p>
-            <a:r>
-              <a:rPr lang="en-US" dirty="0" smtClean="0"/>
-              <a:t>Not </a:t>
-            </a:r>
-            <a:r>
-              <a:rPr lang="en-US" dirty="0" smtClean="0"/>
-              <a:t>affected </a:t>
-            </a:r>
-            <a:r>
-              <a:rPr lang="en-US" dirty="0" smtClean="0"/>
-              <a:t>by setting top, left, bottom or right.</a:t>
-            </a:r>
-          </a:p>
-          <a:p>
-            <a:r>
-              <a:rPr lang="en-US" dirty="0" smtClean="0"/>
-              <a:t>Positions the element in accordance to the normal flow of the page.</a:t>
-            </a:r>
+              <a:t>Used correctly can greatly </a:t>
+            </a:r>
+            <a:r>
+              <a:rPr lang="en-US" dirty="0" smtClean="0"/>
+              <a:t>reduce </a:t>
+            </a:r>
+            <a:r>
+              <a:rPr lang="en-US" dirty="0" smtClean="0"/>
+              <a:t>the code needed to style an element</a:t>
+            </a:r>
+            <a:r>
+              <a:rPr lang="en-US" dirty="0" smtClean="0"/>
+              <a:t>.</a:t>
+            </a:r>
+            <a:endParaRPr lang="en-US" dirty="0" smtClean="0"/>
+          </a:p>
+          <a:p>
+            <a:r>
+              <a:rPr lang="en-US" dirty="0" smtClean="0"/>
+              <a:t>Typical properties </a:t>
+            </a:r>
+            <a:r>
+              <a:rPr lang="en-US" dirty="0" smtClean="0"/>
+              <a:t>that get inherited (rule of thumb):</a:t>
+            </a:r>
+          </a:p>
+          <a:p>
+            <a:pPr lvl="1"/>
+            <a:r>
+              <a:rPr lang="en-US" dirty="0" smtClean="0"/>
+              <a:t>Textual properties (color, font, </a:t>
+            </a:r>
+            <a:r>
+              <a:rPr lang="en-US" dirty="0" smtClean="0"/>
+              <a:t>etc</a:t>
+            </a:r>
+            <a:r>
+              <a:rPr lang="en-US" dirty="0" smtClean="0"/>
+              <a:t>)</a:t>
+            </a:r>
+            <a:endParaRPr lang="en-US" dirty="0" smtClean="0"/>
+          </a:p>
+          <a:p>
+            <a:pPr lvl="1"/>
+            <a:r>
+              <a:rPr lang="en-US" dirty="0" smtClean="0"/>
+              <a:t>The </a:t>
+            </a:r>
+            <a:r>
+              <a:rPr lang="en-US" dirty="0" smtClean="0"/>
+              <a:t>Visibility</a:t>
+            </a:r>
+            <a:endParaRPr lang="en-US" dirty="0" smtClean="0"/>
+          </a:p>
+          <a:p>
+            <a:r>
+              <a:rPr lang="en-US" dirty="0" smtClean="0"/>
+              <a:t>However: You can force other properties to inherit from their parent like this</a:t>
+            </a:r>
+            <a:r>
+              <a:rPr lang="en-US" dirty="0" smtClean="0"/>
+              <a:t>:</a:t>
+            </a:r>
+          </a:p>
+          <a:p>
+            <a:endParaRPr lang="en-US" dirty="0" smtClean="0"/>
+          </a:p>
+          <a:p>
+            <a:pPr marL="114300" indent="0">
+              <a:buNone/>
+            </a:pPr>
+            <a:r>
+              <a:rPr lang="en-US" sz="1800" dirty="0" smtClean="0">
+                <a:latin typeface="Monaco"/>
+                <a:cs typeface="Monaco"/>
+              </a:rPr>
+              <a:t>.</a:t>
+            </a:r>
+            <a:r>
+              <a:rPr lang="en-US" sz="1800" dirty="0" smtClean="0">
+                <a:latin typeface="Monaco"/>
+                <a:cs typeface="Monaco"/>
+              </a:rPr>
+              <a:t>mySelector</a:t>
+            </a:r>
+            <a:r>
+              <a:rPr lang="en-US" sz="1800" dirty="0" smtClean="0">
+                <a:latin typeface="Monaco"/>
+                <a:cs typeface="Monaco"/>
+              </a:rPr>
+              <a:t> {</a:t>
+            </a:r>
+          </a:p>
+          <a:p>
+            <a:pPr marL="114300" indent="0">
+              <a:buNone/>
+            </a:pPr>
+            <a:r>
+              <a:rPr lang="en-US" sz="1800" dirty="0">
+                <a:latin typeface="Monaco"/>
+                <a:cs typeface="Monaco"/>
+              </a:rPr>
+              <a:t> </a:t>
+            </a:r>
+            <a:r>
+              <a:rPr lang="en-US" sz="1800" dirty="0" smtClean="0">
+                <a:latin typeface="Monaco"/>
+                <a:cs typeface="Monaco"/>
+              </a:rPr>
+              <a:t>   background: inherit;</a:t>
+            </a:r>
+          </a:p>
+          <a:p>
+            <a:pPr marL="114300" indent="0">
+              <a:buNone/>
+            </a:pPr>
+            <a:r>
+              <a:rPr lang="en-US" sz="1800" dirty="0">
+                <a:latin typeface="Monaco"/>
+                <a:cs typeface="Monaco"/>
+              </a:rPr>
+              <a:t>}</a:t>
+            </a:r>
+            <a:endParaRPr lang="en-US" sz="1800" dirty="0" smtClean="0">
+              <a:latin typeface="Monaco"/>
+              <a:cs typeface="Monaco"/>
+            </a:endParaRPr>
           </a:p>
           <a:p>
             <a:endParaRPr lang="en-US" dirty="0"/>
@@ -5116,7 +5197,7 @@
     </p:spTree>
     <p:extLst>
       <p:ext uri="{BB962C8B-B14F-4D97-AF65-F5344CB8AC3E}">
-        <p14:creationId xmlns:p14="http://schemas.microsoft.com/office/powerpoint/2010/main" val="1902179256"/>
+        <p14:creationId xmlns:p14="http://schemas.microsoft.com/office/powerpoint/2010/main" val="805126546"/>
       </p:ext>
     </p:extLst>
   </p:cSld>
@@ -5166,10 +5247,9 @@
           <a:lstStyle/>
           <a:p>
             <a:r>
-              <a:rPr lang="en-US" dirty="0" smtClean="0"/>
-              <a:t>Inheritance</a:t>
-            </a:r>
-            <a:endParaRPr lang="en-US" dirty="0"/>
+              <a:rPr lang="en-US" dirty="0"/>
+              <a:t>BEM</a:t>
+            </a:r>
           </a:p>
         </p:txBody>
       </p:sp>
@@ -5190,95 +5270,60 @@
           <a:p>
             <a:r>
               <a:rPr lang="en-US" dirty="0" smtClean="0"/>
-              <a:t>Used correctly can greatly </a:t>
-            </a:r>
-            <a:r>
-              <a:rPr lang="en-US" dirty="0" smtClean="0"/>
-              <a:t>reduce </a:t>
-            </a:r>
-            <a:r>
-              <a:rPr lang="en-US" dirty="0" smtClean="0"/>
-              <a:t>the code needed to style an element</a:t>
-            </a:r>
-            <a:r>
-              <a:rPr lang="en-US" dirty="0" smtClean="0"/>
-              <a:t>.</a:t>
-            </a:r>
+              <a:t>BLOCK, ELEMENT, MODIFIER.</a:t>
+            </a:r>
+          </a:p>
+          <a:p>
+            <a:r>
+              <a:rPr lang="en-US" dirty="0" smtClean="0"/>
+              <a:t>Used to reduce specify in CSS whilst maintaining naming specificity.</a:t>
+            </a:r>
+          </a:p>
+          <a:p>
+            <a:r>
+              <a:rPr lang="en-US" dirty="0" smtClean="0"/>
+              <a:t>Don’t use it for everything!</a:t>
+            </a:r>
+          </a:p>
+          <a:p>
             <a:endParaRPr lang="en-US" dirty="0" smtClean="0"/>
           </a:p>
           <a:p>
-            <a:r>
-              <a:rPr lang="en-US" dirty="0" smtClean="0"/>
-              <a:t>Typical properties </a:t>
-            </a:r>
-            <a:r>
-              <a:rPr lang="en-US" dirty="0" smtClean="0"/>
-              <a:t>that get inherited (rule of thumb):</a:t>
-            </a:r>
-          </a:p>
-          <a:p>
-            <a:pPr lvl="1"/>
-            <a:r>
-              <a:rPr lang="en-US" dirty="0" smtClean="0"/>
-              <a:t>Textual properties (color, font, </a:t>
-            </a:r>
-            <a:r>
-              <a:rPr lang="en-US" dirty="0" smtClean="0"/>
-              <a:t>etc</a:t>
-            </a:r>
-            <a:r>
-              <a:rPr lang="en-US" dirty="0" smtClean="0"/>
-              <a:t>)</a:t>
-            </a:r>
-            <a:endParaRPr lang="en-US" dirty="0" smtClean="0"/>
-          </a:p>
-          <a:p>
-            <a:pPr lvl="1"/>
-            <a:r>
-              <a:rPr lang="en-US" dirty="0" smtClean="0"/>
-              <a:t>The </a:t>
-            </a:r>
-            <a:r>
-              <a:rPr lang="en-US" dirty="0" smtClean="0"/>
-              <a:t>Visibility</a:t>
-            </a:r>
-            <a:endParaRPr lang="en-US" dirty="0" smtClean="0"/>
-          </a:p>
-          <a:p>
-            <a:r>
-              <a:rPr lang="en-US" dirty="0" smtClean="0"/>
-              <a:t>However: You can force other properties to inherit from their parent like this</a:t>
-            </a:r>
-            <a:r>
-              <a:rPr lang="en-US" dirty="0" smtClean="0"/>
-              <a:t>:</a:t>
-            </a:r>
-            <a:endParaRPr lang="en-US" dirty="0" smtClean="0"/>
-          </a:p>
-          <a:p>
             <a:pPr marL="114300" indent="0">
               <a:buNone/>
             </a:pPr>
             <a:r>
-              <a:rPr lang="en-US" sz="1800" dirty="0" smtClean="0">
+              <a:rPr lang="en-US" dirty="0" smtClean="0">
+                <a:latin typeface="Monaco"/>
+                <a:cs typeface="Monaco"/>
+              </a:rPr>
+              <a:t>.person {}</a:t>
+            </a:r>
+          </a:p>
+          <a:p>
+            <a:pPr marL="114300" indent="0">
+              <a:buNone/>
+            </a:pPr>
+            <a:r>
+              <a:rPr lang="en-US" dirty="0" smtClean="0">
                 <a:latin typeface="Monaco"/>
                 <a:cs typeface="Monaco"/>
               </a:rPr>
               <a:t>.</a:t>
             </a:r>
             <a:r>
-              <a:rPr lang="en-US" sz="1800" dirty="0" smtClean="0">
+              <a:rPr lang="en-US" dirty="0" smtClean="0">
                 <a:latin typeface="Monaco"/>
                 <a:cs typeface="Monaco"/>
               </a:rPr>
-              <a:t>mySelector</a:t>
-            </a:r>
-            <a:r>
-              <a:rPr lang="en-US" sz="1800" dirty="0" smtClean="0">
+              <a:t>person__arm</a:t>
+            </a:r>
+            <a:r>
+              <a:rPr lang="en-US" dirty="0" smtClean="0">
                 <a:latin typeface="Monaco"/>
                 <a:cs typeface="Monaco"/>
               </a:rPr>
-              <a:t> {</a:t>
+              <a:t> {}</a:t>
             </a:r>
           </a:p>
           <a:p>
@@ -5286,45 +5331,33 @@
               <a:buNone/>
             </a:pPr>
             <a:r>
-              <a:rPr lang="en-US" sz="1800" dirty="0">
+              <a:rPr lang="en-US" dirty="0" smtClean="0">
                 <a:latin typeface="Monaco"/>
                 <a:cs typeface="Monaco"/>
               </a:rPr>
-              <a:t> </a:t>
-            </a:r>
-            <a:r>
-              <a:rPr lang="en-US" sz="1800" dirty="0" smtClean="0">
+              <a:t>.</a:t>
+            </a:r>
+            <a:r>
+              <a:rPr lang="en-US" dirty="0" smtClean="0">
                 <a:latin typeface="Monaco"/>
                 <a:cs typeface="Monaco"/>
               </a:rPr>
-              <a:t>   background: inherit;</a:t>
-            </a:r>
-          </a:p>
-          <a:p>
-            <a:pPr marL="114300" indent="0">
-              <a:buNone/>
-            </a:pPr>
-            <a:r>
-              <a:rPr lang="en-US" sz="1800" dirty="0">
+              <a:t>person__arm</a:t>
+            </a:r>
+            <a:r>
+              <a:rPr lang="en-US" dirty="0" smtClean="0">
                 <a:latin typeface="Monaco"/>
                 <a:cs typeface="Monaco"/>
               </a:rPr>
-              <a:t>}</a:t>
-            </a:r>
-            <a:endParaRPr lang="en-US" sz="1800" dirty="0" smtClean="0">
-              <a:latin typeface="Monaco"/>
-              <a:cs typeface="Monaco"/>
-            </a:endParaRPr>
-          </a:p>
-          <a:p>
-            <a:endParaRPr lang="en-US" dirty="0"/>
+              <a:t>--left {}</a:t>
+            </a:r>
           </a:p>
         </p:txBody>
       </p:sp>
     </p:spTree>
     <p:extLst>
       <p:ext uri="{BB962C8B-B14F-4D97-AF65-F5344CB8AC3E}">
-        <p14:creationId xmlns:p14="http://schemas.microsoft.com/office/powerpoint/2010/main" val="805126546"/>
+        <p14:creationId xmlns:p14="http://schemas.microsoft.com/office/powerpoint/2010/main" val="3854736481"/>
       </p:ext>
     </p:extLst>
   </p:cSld>
@@ -5375,166 +5408,6 @@
           <a:p>
             <a:r>
               <a:rPr lang="en-US" dirty="0"/>
-              <a:t>BEM</a:t>
-            </a:r>
-          </a:p>
-        </p:txBody>
-      </p:sp>
-      <p:sp>
-        <p:nvSpPr>
-          <p:cNvPr id="3" name="Content Placeholder 2"/>
-          <p:cNvSpPr>
-            <a:spLocks noGrp="1"/>
-          </p:cNvSpPr>
-          <p:nvPr>
-            <p:ph idx="1"/>
-          </p:nvPr>
-        </p:nvSpPr>
-        <p:spPr/>
-        <p:txBody>
-          <a:bodyPr/>
-          <a:lstStyle/>
-          <a:p>
-            <a:r>
-              <a:rPr lang="en-US" dirty="0" smtClean="0"/>
-              <a:t>BLOCK, ELEMENT, MODIFIER.</a:t>
-            </a:r>
-          </a:p>
-          <a:p>
-            <a:r>
-              <a:rPr lang="en-US" dirty="0" smtClean="0"/>
-              <a:t>Used to reduce specify in CSS whilst maintaining naming specificity.</a:t>
-            </a:r>
-          </a:p>
-          <a:p>
-            <a:r>
-              <a:rPr lang="en-US" dirty="0" smtClean="0"/>
-              <a:t>Don’t use it for everything!</a:t>
-            </a:r>
-          </a:p>
-          <a:p>
-            <a:endParaRPr lang="en-US" dirty="0" smtClean="0"/>
-          </a:p>
-          <a:p>
-            <a:pPr marL="114300" indent="0">
-              <a:buNone/>
-            </a:pPr>
-            <a:r>
-              <a:rPr lang="en-US" dirty="0" smtClean="0">
-                <a:latin typeface="Monaco"/>
-                <a:cs typeface="Monaco"/>
-              </a:rPr>
-              <a:t>.person {}</a:t>
-            </a:r>
-          </a:p>
-          <a:p>
-            <a:pPr marL="114300" indent="0">
-              <a:buNone/>
-            </a:pPr>
-            <a:r>
-              <a:rPr lang="en-US" dirty="0" smtClean="0">
-                <a:latin typeface="Monaco"/>
-                <a:cs typeface="Monaco"/>
-              </a:rPr>
-              <a:t>.</a:t>
-            </a:r>
-            <a:r>
-              <a:rPr lang="en-US" dirty="0" smtClean="0">
-                <a:latin typeface="Monaco"/>
-                <a:cs typeface="Monaco"/>
-              </a:rPr>
-              <a:t>person__arm</a:t>
-            </a:r>
-            <a:r>
-              <a:rPr lang="en-US" dirty="0" smtClean="0">
-                <a:latin typeface="Monaco"/>
-                <a:cs typeface="Monaco"/>
-              </a:rPr>
-              <a:t> {}</a:t>
-            </a:r>
-          </a:p>
-          <a:p>
-            <a:pPr marL="114300" indent="0">
-              <a:buNone/>
-            </a:pPr>
-            <a:r>
-              <a:rPr lang="en-US" dirty="0" smtClean="0">
-                <a:latin typeface="Monaco"/>
-                <a:cs typeface="Monaco"/>
-              </a:rPr>
-              <a:t>.</a:t>
-            </a:r>
-            <a:r>
-              <a:rPr lang="en-US" dirty="0" smtClean="0">
-                <a:latin typeface="Monaco"/>
-                <a:cs typeface="Monaco"/>
-              </a:rPr>
-              <a:t>person__arm</a:t>
-            </a:r>
-            <a:r>
-              <a:rPr lang="en-US" dirty="0" smtClean="0">
-                <a:latin typeface="Monaco"/>
-                <a:cs typeface="Monaco"/>
-              </a:rPr>
-              <a:t>--left {}</a:t>
-            </a:r>
-          </a:p>
-        </p:txBody>
-      </p:sp>
-    </p:spTree>
-    <p:extLst>
-      <p:ext uri="{BB962C8B-B14F-4D97-AF65-F5344CB8AC3E}">
-        <p14:creationId xmlns:p14="http://schemas.microsoft.com/office/powerpoint/2010/main" val="3854736481"/>
-      </p:ext>
-    </p:extLst>
-  </p:cSld>
-  <p:clrMapOvr>
-    <a:masterClrMapping/>
-  </p:clrMapOvr>
-  <p:timing>
-    <p:tnLst>
-      <p:par>
-        <p:cTn xmlns:p14="http://schemas.microsoft.com/office/powerpoint/2010/main" id="1" dur="indefinite" restart="never" nodeType="tmRoot"/>
-      </p:par>
-    </p:tnLst>
-  </p:timing>
-</p:sld>
-</file>
-
-<file path=ppt/slides/slide24.xml><?xml version="1.0" encoding="utf-8"?>
-<p:sld xmlns:a="http://schemas.openxmlformats.org/drawingml/2006/main" xmlns:r="http://schemas.openxmlformats.org/officeDocument/2006/relationships" xmlns:p="http://schemas.openxmlformats.org/presentationml/2006/main">
-  <p:cSld>
-    <p:spTree>
-      <p:nvGrpSpPr>
-        <p:cNvPr id="1" name=""/>
-        <p:cNvGrpSpPr/>
-        <p:nvPr/>
-      </p:nvGrpSpPr>
-      <p:grpSpPr>
-        <a:xfrm>
-          <a:off x="0" y="0"/>
-          <a:ext cx="0" cy="0"/>
-          <a:chOff x="0" y="0"/>
-          <a:chExt cx="0" cy="0"/>
-        </a:xfrm>
-      </p:grpSpPr>
-      <p:sp>
-        <p:nvSpPr>
-          <p:cNvPr id="2" name="Title 1"/>
-          <p:cNvSpPr>
-            <a:spLocks noGrp="1"/>
-          </p:cNvSpPr>
-          <p:nvPr>
-            <p:ph type="title"/>
-          </p:nvPr>
-        </p:nvSpPr>
-        <p:spPr/>
-        <p:txBody>
-          <a:bodyPr/>
-          <a:lstStyle/>
-          <a:p>
-            <a:r>
-              <a:rPr lang="en-US" dirty="0"/>
               <a:t>OOCSS</a:t>
             </a:r>
           </a:p>
@@ -5640,7 +5513,7 @@
 </p:sld>
 </file>
 
-<file path=ppt/slides/slide25.xml><?xml version="1.0" encoding="utf-8"?>
+<file path=ppt/slides/slide24.xml><?xml version="1.0" encoding="utf-8"?>
 <p:sld xmlns:a="http://schemas.openxmlformats.org/drawingml/2006/main" xmlns:r="http://schemas.openxmlformats.org/officeDocument/2006/relationships" xmlns:p="http://schemas.openxmlformats.org/presentationml/2006/main">
   <p:cSld>
     <p:spTree>
@@ -5784,7 +5657,7 @@
 </p:sld>
 </file>
 
-<file path=ppt/slides/slide26.xml><?xml version="1.0" encoding="utf-8"?>
+<file path=ppt/slides/slide25.xml><?xml version="1.0" encoding="utf-8"?>
 <p:sld xmlns:a="http://schemas.openxmlformats.org/drawingml/2006/main" xmlns:r="http://schemas.openxmlformats.org/officeDocument/2006/relationships" xmlns:p="http://schemas.openxmlformats.org/presentationml/2006/main">
   <p:cSld>
     <p:spTree>
@@ -5902,7 +5775,7 @@
 </p:sld>
 </file>
 
-<file path=ppt/slides/slide27.xml><?xml version="1.0" encoding="utf-8"?>
+<file path=ppt/slides/slide26.xml><?xml version="1.0" encoding="utf-8"?>
 <p:sld xmlns:a="http://schemas.openxmlformats.org/drawingml/2006/main" xmlns:r="http://schemas.openxmlformats.org/officeDocument/2006/relationships" xmlns:p="http://schemas.openxmlformats.org/presentationml/2006/main">
   <p:cSld>
     <p:spTree>
@@ -6090,7 +5963,7 @@
 </p:sld>
 </file>
 
-<file path=ppt/slides/slide28.xml><?xml version="1.0" encoding="utf-8"?>
+<file path=ppt/slides/slide27.xml><?xml version="1.0" encoding="utf-8"?>
 <p:sld xmlns:a="http://schemas.openxmlformats.org/drawingml/2006/main" xmlns:r="http://schemas.openxmlformats.org/officeDocument/2006/relationships" xmlns:p="http://schemas.openxmlformats.org/presentationml/2006/main">
   <p:cSld>
     <p:spTree>
@@ -6417,7 +6290,7 @@
           <a:p>
             <a:r>
               <a:rPr lang="en-US" dirty="0" smtClean="0"/>
-              <a:t>Don’t couple with use cases, e.g. </a:t>
+              <a:t>Don’t couple with use cases.</a:t>
             </a:r>
           </a:p>
           <a:p>
@@ -7186,7 +7059,7 @@
           <a:p>
             <a:r>
               <a:rPr lang="en-US" dirty="0" smtClean="0"/>
-              <a:t>How many classes does it take to override an ID?</a:t>
+              <a:t>Why use classes over ids?</a:t>
             </a:r>
             <a:endParaRPr lang="en-US" dirty="0"/>
           </a:p>
@@ -7202,87 +7075,79 @@
             <p:ph idx="1"/>
           </p:nvPr>
         </p:nvSpPr>
-        <p:spPr>
-          <a:xfrm>
-            <a:off x="457200" y="1707032"/>
-            <a:ext cx="7620000" cy="524563"/>
-          </a:xfrm>
-        </p:spPr>
-        <p:txBody>
-          <a:bodyPr>
-            <a:normAutofit/>
-          </a:bodyPr>
-          <a:lstStyle/>
+        <p:spPr/>
+        <p:txBody>
+          <a:bodyPr/>
+          <a:lstStyle/>
+          <a:p>
+            <a:r>
+              <a:rPr lang="en-US" dirty="0" smtClean="0"/>
+              <a:t>ID’s have a </a:t>
+            </a:r>
+            <a:r>
+              <a:rPr lang="en-US" dirty="0" smtClean="0"/>
+              <a:t>high specificity making them difficult to override.</a:t>
+            </a:r>
+          </a:p>
+          <a:p>
+            <a:r>
+              <a:rPr lang="en-US" dirty="0" smtClean="0"/>
+              <a:t>ID’s are </a:t>
+            </a:r>
+            <a:r>
+              <a:rPr lang="en-US" dirty="0" smtClean="0"/>
+              <a:t>not reusable, a single class can be added to </a:t>
+            </a:r>
+            <a:r>
+              <a:rPr lang="en-US" dirty="0" smtClean="0"/>
+              <a:t>multiple </a:t>
+            </a:r>
+            <a:r>
+              <a:rPr lang="en-US" dirty="0" smtClean="0"/>
+              <a:t>elements.</a:t>
+            </a:r>
+          </a:p>
+          <a:p>
+            <a:r>
+              <a:rPr lang="en-US" dirty="0" smtClean="0"/>
+              <a:t>A single element has one </a:t>
+            </a:r>
+            <a:r>
+              <a:rPr lang="en-US" dirty="0" smtClean="0"/>
+              <a:t>ID</a:t>
+            </a:r>
+            <a:r>
+              <a:rPr lang="en-US" dirty="0" smtClean="0"/>
+              <a:t> </a:t>
+            </a:r>
+            <a:r>
+              <a:rPr lang="en-US" dirty="0" smtClean="0"/>
+              <a:t>which means you </a:t>
+            </a:r>
+            <a:r>
+              <a:rPr lang="en-US" dirty="0" smtClean="0"/>
+              <a:t>can’t </a:t>
+            </a:r>
+            <a:r>
+              <a:rPr lang="en-US" dirty="0" smtClean="0"/>
+              <a:t>use composition to build up your styles.</a:t>
+            </a:r>
+          </a:p>
+          <a:p>
+            <a:endParaRPr lang="en-US" dirty="0" smtClean="0"/>
+          </a:p>
           <a:p>
             <a:pPr marL="114300" indent="0">
               <a:buNone/>
             </a:pPr>
-            <a:r>
-              <a:rPr lang="en-US" dirty="0" smtClean="0">
-                <a:latin typeface="Monaco"/>
-                <a:cs typeface="Monaco"/>
-              </a:rPr>
-              <a:t>#</a:t>
-            </a:r>
-            <a:r>
-              <a:rPr lang="en-US" dirty="0" smtClean="0">
-                <a:latin typeface="Monaco"/>
-                <a:cs typeface="Monaco"/>
-              </a:rPr>
-              <a:t>myVeryWeightedIDSelector</a:t>
-            </a:r>
-            <a:r>
-              <a:rPr lang="en-US" dirty="0" smtClean="0">
-                <a:latin typeface="Monaco"/>
-                <a:cs typeface="Monaco"/>
-              </a:rPr>
-              <a:t> {}</a:t>
-            </a:r>
-          </a:p>
-        </p:txBody>
-      </p:sp>
-      <p:sp>
-        <p:nvSpPr>
-          <p:cNvPr id="4" name="TextBox 3"/>
-          <p:cNvSpPr txBox="1"/>
-          <p:nvPr/>
-        </p:nvSpPr>
-        <p:spPr>
-          <a:xfrm>
-            <a:off x="617216" y="2231595"/>
-            <a:ext cx="7359118" cy="4616648"/>
-          </a:xfrm>
-          <a:prstGeom prst="rect">
-            <a:avLst/>
-          </a:prstGeom>
-          <a:noFill/>
-        </p:spPr>
-        <p:txBody>
-          <a:bodyPr wrap="square" rtlCol="0">
-            <a:spAutoFit/>
-          </a:bodyPr>
-          <a:lstStyle/>
-          <a:p>
-            <a:r>
-              <a:rPr lang="en-US" sz="1400" dirty="0">
-                <a:latin typeface="Monaco"/>
-                <a:cs typeface="Monaco"/>
-              </a:rPr>
-              <a:t>.c000.c001.c002.c003.c004.c005.c006.c007.c008.c009.c010.c011.c012.c013.c014.c015.c016.c017.c018.c019.c020.c021.c022.c023.c024.c025.c026.c027.c028.c029.c030.c031.c032.c033.c034.c035.c036.c037.c038.c039.c040.c041.c042.c043.c044.c045.c046.c047.c048.c049.c050.c051.c052.c053.c054.c055.c056.c057.c058.c059.c060.c061.c062.c063.c064.c065.c066.c067.c068.c069.c070.c071.c072.c073.c074.c075.c076.c077.c078.c079.c080.c081.c082.c083.c084.c085.c086.c087.c088.c089.c090.c091.c092.c093.c094.c095.c096.c097.c098.c099.c100.c101.c102.c103.c104.c105.c106.c107.c108.c109.c110.c111.c112.c113.c114.c115.c116.c117.c118.c119.c120.c121.c122.c123.c124.c125.c126.c127.c128.c129.c130.c131.c132.c133.c134.c135.c136.c137.c138.c139.c140.c141.c142.c143.c144.c145.c146.c147.c148.c149.c150.c151.c152.c153.c154.c155.c156.c157.c158.c159.c160.c161.c162.c163.c164.c165.c166.c167.c168.c169.c170.c171.c172.c173.c174.c175.c176.c177.c178.c179.c180.c181.c182.c183.c184.c185.c186.c187.c188.c189.c190.c191.c192.c193.c194.c195.c196.c197.c198.c199.c200.c201.c202.c203.c204.c205.c206.c207.c208.c209.c210.c211.c212.c213.c214.c215.c216.c217.c218.c219.c220.c221.c222.c223.c224.c225.c226.c227.c228.c229.c230.c231.c232.c233.c234.c235.c236.c237.c238.c239.c240.c241.c242.c243.c244.c245.c246.c247.c248.c249.c250.c251.c252.c253.c254.c255 {}</a:t>
-            </a:r>
-          </a:p>
-          <a:p>
-            <a:endParaRPr lang="en-US" sz="1400" dirty="0">
-              <a:latin typeface="Monaco"/>
-              <a:cs typeface="Monaco"/>
-            </a:endParaRPr>
+            <a:endParaRPr lang="en-US" dirty="0"/>
           </a:p>
         </p:txBody>
       </p:sp>
     </p:spTree>
     <p:extLst>
       <p:ext uri="{BB962C8B-B14F-4D97-AF65-F5344CB8AC3E}">
-        <p14:creationId xmlns:p14="http://schemas.microsoft.com/office/powerpoint/2010/main" val="3409090156"/>
+        <p14:creationId xmlns:p14="http://schemas.microsoft.com/office/powerpoint/2010/main" val="1083853820"/>
       </p:ext>
     </p:extLst>
   </p:cSld>
@@ -7292,130 +7157,9 @@
   <p:timing>
     <p:tnLst>
       <p:par>
-        <p:cTn xmlns:p14="http://schemas.microsoft.com/office/powerpoint/2010/main" id="1" dur="indefinite" restart="never" nodeType="tmRoot">
-          <p:childTnLst>
-            <p:seq concurrent="1" nextAc="seek">
-              <p:cTn id="2" dur="indefinite" nodeType="mainSeq">
-                <p:childTnLst>
-                  <p:par>
-                    <p:cTn id="3" fill="hold">
-                      <p:stCondLst>
-                        <p:cond delay="indefinite"/>
-                      </p:stCondLst>
-                      <p:childTnLst>
-                        <p:par>
-                          <p:cTn id="4" fill="hold">
-                            <p:stCondLst>
-                              <p:cond delay="0"/>
-                            </p:stCondLst>
-                            <p:childTnLst>
-                              <p:par>
-                                <p:cTn id="5" presetID="1" presetClass="entr" presetSubtype="0" fill="hold" grpId="0" nodeType="clickEffect">
-                                  <p:stCondLst>
-                                    <p:cond delay="0"/>
-                                  </p:stCondLst>
-                                  <p:childTnLst>
-                                    <p:set>
-                                      <p:cBhvr>
-                                        <p:cTn id="6" dur="1" fill="hold">
-                                          <p:stCondLst>
-                                            <p:cond delay="0"/>
-                                          </p:stCondLst>
-                                        </p:cTn>
-                                        <p:tgtEl>
-                                          <p:spTgt spid="3">
-                                            <p:txEl>
-                                              <p:pRg st="0" end="0"/>
-                                            </p:txEl>
-                                          </p:spTgt>
-                                        </p:tgtEl>
-                                        <p:attrNameLst>
-                                          <p:attrName>style.visibility</p:attrName>
-                                        </p:attrNameLst>
-                                      </p:cBhvr>
-                                      <p:to>
-                                        <p:strVal val="visible"/>
-                                      </p:to>
-                                    </p:set>
-                                  </p:childTnLst>
-                                </p:cTn>
-                              </p:par>
-                            </p:childTnLst>
-                          </p:cTn>
-                        </p:par>
-                      </p:childTnLst>
-                    </p:cTn>
-                  </p:par>
-                  <p:par>
-                    <p:cTn id="7" fill="hold">
-                      <p:stCondLst>
-                        <p:cond delay="indefinite"/>
-                      </p:stCondLst>
-                      <p:childTnLst>
-                        <p:par>
-                          <p:cTn id="8" fill="hold">
-                            <p:stCondLst>
-                              <p:cond delay="0"/>
-                            </p:stCondLst>
-                            <p:childTnLst>
-                              <p:par>
-                                <p:cTn id="9" presetID="1" presetClass="entr" presetSubtype="0" fill="hold" grpId="0" nodeType="clickEffect">
-                                  <p:stCondLst>
-                                    <p:cond delay="0"/>
-                                  </p:stCondLst>
-                                  <p:childTnLst>
-                                    <p:set>
-                                      <p:cBhvr>
-                                        <p:cTn id="10" dur="1" fill="hold">
-                                          <p:stCondLst>
-                                            <p:cond delay="0"/>
-                                          </p:stCondLst>
-                                        </p:cTn>
-                                        <p:tgtEl>
-                                          <p:spTgt spid="4"/>
-                                        </p:tgtEl>
-                                        <p:attrNameLst>
-                                          <p:attrName>style.visibility</p:attrName>
-                                        </p:attrNameLst>
-                                      </p:cBhvr>
-                                      <p:to>
-                                        <p:strVal val="visible"/>
-                                      </p:to>
-                                    </p:set>
-                                  </p:childTnLst>
-                                </p:cTn>
-                              </p:par>
-                            </p:childTnLst>
-                          </p:cTn>
-                        </p:par>
-                      </p:childTnLst>
-                    </p:cTn>
-                  </p:par>
-                </p:childTnLst>
-              </p:cTn>
-              <p:prevCondLst>
-                <p:cond evt="onPrev" delay="0">
-                  <p:tgtEl>
-                    <p:sldTgt/>
-                  </p:tgtEl>
-                </p:cond>
-              </p:prevCondLst>
-              <p:nextCondLst>
-                <p:cond evt="onNext" delay="0">
-                  <p:tgtEl>
-                    <p:sldTgt/>
-                  </p:tgtEl>
-                </p:cond>
-              </p:nextCondLst>
-            </p:seq>
-          </p:childTnLst>
-        </p:cTn>
+        <p:cTn xmlns:p14="http://schemas.microsoft.com/office/powerpoint/2010/main" id="1" dur="indefinite" restart="never" nodeType="tmRoot"/>
       </p:par>
     </p:tnLst>
-    <p:bldLst>
-      <p:bldP spid="3" grpId="0" build="p"/>
-      <p:bldP spid="4" grpId="0"/>
-    </p:bldLst>
   </p:timing>
 </p:sld>
 </file>
@@ -7454,7 +7198,7 @@
           <a:p>
             <a:r>
               <a:rPr lang="en-US" dirty="0" smtClean="0"/>
-              <a:t>Why use classes over ids?</a:t>
+              <a:t>Performance</a:t>
             </a:r>
             <a:endParaRPr lang="en-US" dirty="0"/>
           </a:p>
@@ -7477,72 +7221,60 @@
           <a:p>
             <a:r>
               <a:rPr lang="en-US" dirty="0" smtClean="0"/>
-              <a:t>ID’s have a </a:t>
-            </a:r>
-            <a:r>
-              <a:rPr lang="en-US" dirty="0" smtClean="0"/>
-              <a:t>high specificity making them difficult to override.</a:t>
-            </a:r>
-          </a:p>
-          <a:p>
-            <a:r>
-              <a:rPr lang="en-US" dirty="0" smtClean="0"/>
-              <a:t>ID’s are </a:t>
-            </a:r>
-            <a:r>
-              <a:rPr lang="en-US" dirty="0" smtClean="0"/>
-              <a:t>not reusable, a single class can be added to </a:t>
-            </a:r>
-            <a:r>
-              <a:rPr lang="en-US" dirty="0" smtClean="0"/>
-              <a:t>multiple </a:t>
-            </a:r>
-            <a:r>
-              <a:rPr lang="en-US" dirty="0" smtClean="0"/>
-              <a:t>elements.</a:t>
-            </a:r>
-          </a:p>
-          <a:p>
-            <a:r>
-              <a:rPr lang="en-US" dirty="0" smtClean="0"/>
-              <a:t>A single element has one </a:t>
-            </a:r>
-            <a:r>
-              <a:rPr lang="en-US" dirty="0" smtClean="0"/>
-              <a:t>ID</a:t>
-            </a:r>
-            <a:r>
-              <a:rPr lang="en-US" dirty="0" smtClean="0"/>
-              <a:t> </a:t>
-            </a:r>
-            <a:r>
-              <a:rPr lang="en-US" dirty="0" smtClean="0"/>
-              <a:t>which means you </a:t>
-            </a:r>
-            <a:r>
-              <a:rPr lang="en-US" dirty="0" smtClean="0"/>
-              <a:t>can’t </a:t>
-            </a:r>
-            <a:r>
-              <a:rPr lang="en-US" dirty="0" smtClean="0"/>
-              <a:t>use composition to build up your styles.</a:t>
-            </a:r>
-          </a:p>
-          <a:p>
+              <a:t>Browsers read CSS right to </a:t>
+            </a:r>
+            <a:r>
+              <a:rPr lang="en-US" dirty="0" smtClean="0"/>
+              <a:t>left so make the last selector as specific as possible</a:t>
+            </a:r>
+            <a:r>
+              <a:rPr lang="en-US" dirty="0" smtClean="0"/>
+              <a:t> to quickly get matched.</a:t>
+            </a:r>
             <a:endParaRPr lang="en-US" dirty="0" smtClean="0"/>
           </a:p>
           <a:p>
-            <a:pPr marL="114300" indent="0">
-              <a:buNone/>
-            </a:pPr>
-            <a:endParaRPr lang="en-US" dirty="0"/>
+            <a:r>
+              <a:rPr lang="en-US" dirty="0"/>
+              <a:t>I</a:t>
+            </a:r>
+            <a:r>
+              <a:rPr lang="en-US" dirty="0" smtClean="0"/>
+              <a:t>f </a:t>
+            </a:r>
+            <a:r>
+              <a:rPr lang="en-US" dirty="0"/>
+              <a:t>you know the </a:t>
+            </a:r>
+            <a:r>
+              <a:rPr lang="en-US" dirty="0" smtClean="0"/>
+              <a:t>DOM then </a:t>
+            </a:r>
+            <a:r>
+              <a:rPr lang="en-US" dirty="0"/>
+              <a:t>use child selector (&gt;) as then it only goes up one </a:t>
+            </a:r>
+            <a:r>
+              <a:rPr lang="en-US" dirty="0" smtClean="0"/>
+              <a:t>DOM level.</a:t>
+            </a:r>
+          </a:p>
+          <a:p>
+            <a:r>
+              <a:rPr lang="en-US" dirty="0" smtClean="0"/>
+              <a:t>Use the wildcard selector sparingly as the name suggest it matches all elements.</a:t>
+            </a:r>
+            <a:endParaRPr lang="en-US" dirty="0"/>
+          </a:p>
+          <a:p>
+            <a:endParaRPr lang="en-US" dirty="0" smtClean="0"/>
           </a:p>
         </p:txBody>
       </p:sp>
     </p:spTree>
     <p:extLst>
       <p:ext uri="{BB962C8B-B14F-4D97-AF65-F5344CB8AC3E}">
-        <p14:creationId xmlns:p14="http://schemas.microsoft.com/office/powerpoint/2010/main" val="1083853820"/>
+        <p14:creationId xmlns:p14="http://schemas.microsoft.com/office/powerpoint/2010/main" val="628673121"/>
       </p:ext>
     </p:extLst>
   </p:cSld>
